--- a/diploma/00 Отчетность/0 Текст и презентация/Применение_графов_для_классификации.pptx
+++ b/diploma/00 Отчетность/0 Текст и презентация/Применение_графов_для_классификации.pptx
@@ -5,26 +5,27 @@
     <p:sldMasterId id="2147483648" r:id="rId1"/>
   </p:sldMasterIdLst>
   <p:notesMasterIdLst>
-    <p:notesMasterId r:id="rId16"/>
+    <p:notesMasterId r:id="rId17"/>
   </p:notesMasterIdLst>
   <p:handoutMasterIdLst>
-    <p:handoutMasterId r:id="rId17"/>
+    <p:handoutMasterId r:id="rId18"/>
   </p:handoutMasterIdLst>
   <p:sldIdLst>
     <p:sldId id="256" r:id="rId2"/>
     <p:sldId id="266" r:id="rId3"/>
-    <p:sldId id="263" r:id="rId4"/>
-    <p:sldId id="264" r:id="rId5"/>
+    <p:sldId id="274" r:id="rId4"/>
+    <p:sldId id="263" r:id="rId5"/>
     <p:sldId id="259" r:id="rId6"/>
-    <p:sldId id="260" r:id="rId7"/>
-    <p:sldId id="265" r:id="rId8"/>
-    <p:sldId id="268" r:id="rId9"/>
+    <p:sldId id="265" r:id="rId7"/>
+    <p:sldId id="268" r:id="rId8"/>
+    <p:sldId id="260" r:id="rId9"/>
     <p:sldId id="270" r:id="rId10"/>
     <p:sldId id="272" r:id="rId11"/>
     <p:sldId id="271" r:id="rId12"/>
     <p:sldId id="269" r:id="rId13"/>
-    <p:sldId id="273" r:id="rId14"/>
-    <p:sldId id="267" r:id="rId15"/>
+    <p:sldId id="264" r:id="rId14"/>
+    <p:sldId id="273" r:id="rId15"/>
+    <p:sldId id="267" r:id="rId16"/>
   </p:sldIdLst>
   <p:sldSz cx="12192000" cy="6858000"/>
   <p:notesSz cx="6735763" cy="9866313"/>
@@ -213,7 +214,7 @@
           <a:p>
             <a:fld id="{5DA1ACA4-903F-42FF-B9AE-CB49341DA9EE}" type="datetimeFigureOut">
               <a:rPr lang="ru-RU" smtClean="0"/>
-              <a:t>03.06.2019</a:t>
+              <a:t>11.06.2019</a:t>
             </a:fld>
             <a:endParaRPr lang="ru-RU"/>
           </a:p>
@@ -379,7 +380,7 @@
           <a:p>
             <a:fld id="{F97CAE94-D552-4726-B586-879F5422C2AC}" type="datetimeFigureOut">
               <a:rPr lang="ru-RU" smtClean="0"/>
-              <a:t>03.06.2019</a:t>
+              <a:t>11.06.2019</a:t>
             </a:fld>
             <a:endParaRPr lang="ru-RU"/>
           </a:p>
@@ -648,6 +649,189 @@
 </p:notesMaster>
 </file>
 
+<file path=ppt/notesSlides/notesSlide1.xml><?xml version="1.0" encoding="utf-8"?>
+<p:notes xmlns:a="http://schemas.openxmlformats.org/drawingml/2006/main" xmlns:r="http://schemas.openxmlformats.org/officeDocument/2006/relationships" xmlns:p="http://schemas.openxmlformats.org/presentationml/2006/main">
+  <p:cSld>
+    <p:spTree>
+      <p:nvGrpSpPr>
+        <p:cNvPr id="1" name=""/>
+        <p:cNvGrpSpPr/>
+        <p:nvPr/>
+      </p:nvGrpSpPr>
+      <p:grpSpPr>
+        <a:xfrm>
+          <a:off x="0" y="0"/>
+          <a:ext cx="0" cy="0"/>
+          <a:chOff x="0" y="0"/>
+          <a:chExt cx="0" cy="0"/>
+        </a:xfrm>
+      </p:grpSpPr>
+      <p:sp>
+        <p:nvSpPr>
+          <p:cNvPr id="2" name="Образ слайда 1"/>
+          <p:cNvSpPr>
+            <a:spLocks noGrp="1" noRot="1" noChangeAspect="1"/>
+          </p:cNvSpPr>
+          <p:nvPr>
+            <p:ph type="sldImg"/>
+          </p:nvPr>
+        </p:nvSpPr>
+        <p:spPr/>
+      </p:sp>
+      <p:sp>
+        <p:nvSpPr>
+          <p:cNvPr id="3" name="Заметки 2"/>
+          <p:cNvSpPr>
+            <a:spLocks noGrp="1"/>
+          </p:cNvSpPr>
+          <p:nvPr>
+            <p:ph type="body" idx="1"/>
+          </p:nvPr>
+        </p:nvSpPr>
+        <p:spPr/>
+        <p:txBody>
+          <a:bodyPr/>
+          <a:lstStyle/>
+          <a:p>
+            <a:endParaRPr lang="ru-RU" dirty="0"/>
+          </a:p>
+        </p:txBody>
+      </p:sp>
+    </p:spTree>
+    <p:extLst>
+      <p:ext uri="{BB962C8B-B14F-4D97-AF65-F5344CB8AC3E}">
+        <p14:creationId xmlns:p14="http://schemas.microsoft.com/office/powerpoint/2010/main" val="1425714892"/>
+      </p:ext>
+    </p:extLst>
+  </p:cSld>
+  <p:clrMapOvr>
+    <a:masterClrMapping/>
+  </p:clrMapOvr>
+</p:notes>
+</file>
+
+<file path=ppt/notesSlides/notesSlide2.xml><?xml version="1.0" encoding="utf-8"?>
+<p:notes xmlns:a="http://schemas.openxmlformats.org/drawingml/2006/main" xmlns:r="http://schemas.openxmlformats.org/officeDocument/2006/relationships" xmlns:p="http://schemas.openxmlformats.org/presentationml/2006/main">
+  <p:cSld>
+    <p:spTree>
+      <p:nvGrpSpPr>
+        <p:cNvPr id="1" name=""/>
+        <p:cNvGrpSpPr/>
+        <p:nvPr/>
+      </p:nvGrpSpPr>
+      <p:grpSpPr>
+        <a:xfrm>
+          <a:off x="0" y="0"/>
+          <a:ext cx="0" cy="0"/>
+          <a:chOff x="0" y="0"/>
+          <a:chExt cx="0" cy="0"/>
+        </a:xfrm>
+      </p:grpSpPr>
+      <p:sp>
+        <p:nvSpPr>
+          <p:cNvPr id="2" name="Образ слайда 1"/>
+          <p:cNvSpPr>
+            <a:spLocks noGrp="1" noRot="1" noChangeAspect="1"/>
+          </p:cNvSpPr>
+          <p:nvPr>
+            <p:ph type="sldImg"/>
+          </p:nvPr>
+        </p:nvSpPr>
+        <p:spPr/>
+      </p:sp>
+      <p:sp>
+        <p:nvSpPr>
+          <p:cNvPr id="3" name="Заметки 2"/>
+          <p:cNvSpPr>
+            <a:spLocks noGrp="1"/>
+          </p:cNvSpPr>
+          <p:nvPr>
+            <p:ph type="body" idx="1"/>
+          </p:nvPr>
+        </p:nvSpPr>
+        <p:spPr/>
+        <p:txBody>
+          <a:bodyPr/>
+          <a:lstStyle/>
+          <a:p>
+            <a:endParaRPr lang="ru-RU" dirty="0"/>
+          </a:p>
+        </p:txBody>
+      </p:sp>
+    </p:spTree>
+    <p:extLst>
+      <p:ext uri="{BB962C8B-B14F-4D97-AF65-F5344CB8AC3E}">
+        <p14:creationId xmlns:p14="http://schemas.microsoft.com/office/powerpoint/2010/main" val="2327466048"/>
+      </p:ext>
+    </p:extLst>
+  </p:cSld>
+  <p:clrMapOvr>
+    <a:masterClrMapping/>
+  </p:clrMapOvr>
+</p:notes>
+</file>
+
+<file path=ppt/notesSlides/notesSlide3.xml><?xml version="1.0" encoding="utf-8"?>
+<p:notes xmlns:a="http://schemas.openxmlformats.org/drawingml/2006/main" xmlns:r="http://schemas.openxmlformats.org/officeDocument/2006/relationships" xmlns:p="http://schemas.openxmlformats.org/presentationml/2006/main">
+  <p:cSld>
+    <p:spTree>
+      <p:nvGrpSpPr>
+        <p:cNvPr id="1" name=""/>
+        <p:cNvGrpSpPr/>
+        <p:nvPr/>
+      </p:nvGrpSpPr>
+      <p:grpSpPr>
+        <a:xfrm>
+          <a:off x="0" y="0"/>
+          <a:ext cx="0" cy="0"/>
+          <a:chOff x="0" y="0"/>
+          <a:chExt cx="0" cy="0"/>
+        </a:xfrm>
+      </p:grpSpPr>
+      <p:sp>
+        <p:nvSpPr>
+          <p:cNvPr id="2" name="Образ слайда 1"/>
+          <p:cNvSpPr>
+            <a:spLocks noGrp="1" noRot="1" noChangeAspect="1"/>
+          </p:cNvSpPr>
+          <p:nvPr>
+            <p:ph type="sldImg"/>
+          </p:nvPr>
+        </p:nvSpPr>
+        <p:spPr/>
+      </p:sp>
+      <p:sp>
+        <p:nvSpPr>
+          <p:cNvPr id="3" name="Заметки 2"/>
+          <p:cNvSpPr>
+            <a:spLocks noGrp="1"/>
+          </p:cNvSpPr>
+          <p:nvPr>
+            <p:ph type="body" idx="1"/>
+          </p:nvPr>
+        </p:nvSpPr>
+        <p:spPr/>
+        <p:txBody>
+          <a:bodyPr/>
+          <a:lstStyle/>
+          <a:p>
+            <a:endParaRPr lang="ru-RU" dirty="0"/>
+          </a:p>
+        </p:txBody>
+      </p:sp>
+    </p:spTree>
+    <p:extLst>
+      <p:ext uri="{BB962C8B-B14F-4D97-AF65-F5344CB8AC3E}">
+        <p14:creationId xmlns:p14="http://schemas.microsoft.com/office/powerpoint/2010/main" val="341593388"/>
+      </p:ext>
+    </p:extLst>
+  </p:cSld>
+  <p:clrMapOvr>
+    <a:masterClrMapping/>
+  </p:clrMapOvr>
+</p:notes>
+</file>
+
 <file path=ppt/slideLayouts/slideLayout1.xml><?xml version="1.0" encoding="utf-8"?>
 <p:sldLayout xmlns:a="http://schemas.openxmlformats.org/drawingml/2006/main" xmlns:r="http://schemas.openxmlformats.org/officeDocument/2006/relationships" xmlns:p="http://schemas.openxmlformats.org/presentationml/2006/main" type="title" preserve="1">
   <p:cSld name="Титульный слайд">
@@ -779,7 +963,7 @@
           <a:p>
             <a:fld id="{1A7CADD1-2208-4178-97FA-1EA0F4702674}" type="datetime1">
               <a:rPr lang="ru-RU" smtClean="0"/>
-              <a:t>03.06.2019</a:t>
+              <a:t>11.06.2019</a:t>
             </a:fld>
             <a:endParaRPr lang="ru-RU"/>
           </a:p>
@@ -949,7 +1133,7 @@
           <a:p>
             <a:fld id="{6422CF64-4413-4F3E-92B0-40DF4F3309FA}" type="datetime1">
               <a:rPr lang="ru-RU" smtClean="0"/>
-              <a:t>03.06.2019</a:t>
+              <a:t>11.06.2019</a:t>
             </a:fld>
             <a:endParaRPr lang="ru-RU"/>
           </a:p>
@@ -1129,7 +1313,7 @@
           <a:p>
             <a:fld id="{3419920A-8714-475E-A6D8-D66701DCF1C8}" type="datetime1">
               <a:rPr lang="ru-RU" smtClean="0"/>
-              <a:t>03.06.2019</a:t>
+              <a:t>11.06.2019</a:t>
             </a:fld>
             <a:endParaRPr lang="ru-RU"/>
           </a:p>
@@ -1299,7 +1483,7 @@
           <a:p>
             <a:fld id="{E7FC493F-755D-4CF9-B9C9-53C03705A202}" type="datetime1">
               <a:rPr lang="ru-RU" smtClean="0"/>
-              <a:t>03.06.2019</a:t>
+              <a:t>11.06.2019</a:t>
             </a:fld>
             <a:endParaRPr lang="ru-RU"/>
           </a:p>
@@ -1545,7 +1729,7 @@
           <a:p>
             <a:fld id="{6AD00176-AE32-49EE-A5DE-A9A26700F9D1}" type="datetime1">
               <a:rPr lang="ru-RU" smtClean="0"/>
-              <a:t>03.06.2019</a:t>
+              <a:t>11.06.2019</a:t>
             </a:fld>
             <a:endParaRPr lang="ru-RU"/>
           </a:p>
@@ -1777,7 +1961,7 @@
           <a:p>
             <a:fld id="{C06E8836-1C47-4103-926F-B356CBDA6676}" type="datetime1">
               <a:rPr lang="ru-RU" smtClean="0"/>
-              <a:t>03.06.2019</a:t>
+              <a:t>11.06.2019</a:t>
             </a:fld>
             <a:endParaRPr lang="ru-RU"/>
           </a:p>
@@ -2144,7 +2328,7 @@
           <a:p>
             <a:fld id="{5D2C057B-256A-4374-A2DF-2ED704A66703}" type="datetime1">
               <a:rPr lang="ru-RU" smtClean="0"/>
-              <a:t>03.06.2019</a:t>
+              <a:t>11.06.2019</a:t>
             </a:fld>
             <a:endParaRPr lang="ru-RU"/>
           </a:p>
@@ -2262,7 +2446,7 @@
           <a:p>
             <a:fld id="{0B3B45B3-42B4-4601-83E9-539A2B5BEBD8}" type="datetime1">
               <a:rPr lang="ru-RU" smtClean="0"/>
-              <a:t>03.06.2019</a:t>
+              <a:t>11.06.2019</a:t>
             </a:fld>
             <a:endParaRPr lang="ru-RU"/>
           </a:p>
@@ -2357,7 +2541,7 @@
           <a:p>
             <a:fld id="{93248894-EAE3-46A2-8730-6071641FA96F}" type="datetime1">
               <a:rPr lang="ru-RU" smtClean="0"/>
-              <a:t>03.06.2019</a:t>
+              <a:t>11.06.2019</a:t>
             </a:fld>
             <a:endParaRPr lang="ru-RU"/>
           </a:p>
@@ -2634,7 +2818,7 @@
           <a:p>
             <a:fld id="{B4AE02C1-176F-4E14-BA5E-9C51749C408A}" type="datetime1">
               <a:rPr lang="ru-RU" smtClean="0"/>
-              <a:t>03.06.2019</a:t>
+              <a:t>11.06.2019</a:t>
             </a:fld>
             <a:endParaRPr lang="ru-RU"/>
           </a:p>
@@ -2887,7 +3071,7 @@
           <a:p>
             <a:fld id="{635C3460-B135-4309-B286-C987C1A38A38}" type="datetime1">
               <a:rPr lang="ru-RU" smtClean="0"/>
-              <a:t>03.06.2019</a:t>
+              <a:t>11.06.2019</a:t>
             </a:fld>
             <a:endParaRPr lang="ru-RU"/>
           </a:p>
@@ -3100,7 +3284,7 @@
           <a:p>
             <a:fld id="{FF7768ED-9495-4D22-9CC8-B9FE95CD58C7}" type="datetime1">
               <a:rPr lang="ru-RU" smtClean="0"/>
-              <a:t>03.06.2019</a:t>
+              <a:t>11.06.2019</a:t>
             </a:fld>
             <a:endParaRPr lang="ru-RU"/>
           </a:p>
@@ -3692,25 +3876,25 @@
           <p:nvPr>
             <p:extLst>
               <p:ext uri="{D42A27DB-BD31-4B8C-83A1-F6EECF244321}">
-                <p14:modId xmlns:p14="http://schemas.microsoft.com/office/powerpoint/2010/main" val="3180142720"/>
+                <p14:modId xmlns:p14="http://schemas.microsoft.com/office/powerpoint/2010/main" val="2327375279"/>
               </p:ext>
             </p:extLst>
           </p:nvPr>
         </p:nvGraphicFramePr>
         <p:xfrm>
-          <a:off x="1835150" y="5518150"/>
-          <a:ext cx="1846263" cy="1087438"/>
+          <a:off x="1825625" y="5518150"/>
+          <a:ext cx="1865313" cy="1087438"/>
         </p:xfrm>
         <a:graphic>
           <a:graphicData uri="http://schemas.openxmlformats.org/presentationml/2006/ole">
             <mc:AlternateContent xmlns:mc="http://schemas.openxmlformats.org/markup-compatibility/2006">
               <mc:Choice xmlns:v="urn:schemas-microsoft-com:vml" Requires="v">
-                <p:oleObj spid="_x0000_s3086" name="Equation" r:id="rId3" imgW="1295280" imgH="761760" progId="Equation.DSMT4">
+                <p:oleObj spid="_x0000_s3110" name="Equation" r:id="rId3" imgW="1307880" imgH="761760" progId="Equation.DSMT4">
                   <p:embed/>
                 </p:oleObj>
               </mc:Choice>
               <mc:Fallback>
-                <p:oleObj name="Equation" r:id="rId3" imgW="1295280" imgH="761760" progId="Equation.DSMT4">
+                <p:oleObj name="Equation" r:id="rId3" imgW="1307880" imgH="761760" progId="Equation.DSMT4">
                   <p:embed/>
                   <p:pic>
                     <p:nvPicPr>
@@ -3726,8 +3910,8 @@
                     </p:blipFill>
                     <p:spPr>
                       <a:xfrm>
-                        <a:off x="1835150" y="5518150"/>
-                        <a:ext cx="1846263" cy="1087438"/>
+                        <a:off x="1825625" y="5518150"/>
+                        <a:ext cx="1865313" cy="1087438"/>
                       </a:xfrm>
                       <a:prstGeom prst="rect">
                         <a:avLst/>
@@ -3749,20 +3933,20 @@
           <p:nvPr>
             <p:extLst>
               <p:ext uri="{D42A27DB-BD31-4B8C-83A1-F6EECF244321}">
-                <p14:modId xmlns:p14="http://schemas.microsoft.com/office/powerpoint/2010/main" val="1526317798"/>
+                <p14:modId xmlns:p14="http://schemas.microsoft.com/office/powerpoint/2010/main" val="677676414"/>
               </p:ext>
             </p:extLst>
           </p:nvPr>
         </p:nvGraphicFramePr>
         <p:xfrm>
-          <a:off x="5178425" y="5518150"/>
+          <a:off x="5502634" y="5518150"/>
           <a:ext cx="1847850" cy="1087438"/>
         </p:xfrm>
         <a:graphic>
           <a:graphicData uri="http://schemas.openxmlformats.org/presentationml/2006/ole">
             <mc:AlternateContent xmlns:mc="http://schemas.openxmlformats.org/markup-compatibility/2006">
               <mc:Choice xmlns:v="urn:schemas-microsoft-com:vml" Requires="v">
-                <p:oleObj spid="_x0000_s3087" name="Equation" r:id="rId5" imgW="1295280" imgH="761760" progId="Equation.DSMT4">
+                <p:oleObj spid="_x0000_s3111" name="Equation" r:id="rId5" imgW="1295280" imgH="761760" progId="Equation.DSMT4">
                   <p:embed/>
                 </p:oleObj>
               </mc:Choice>
@@ -3783,7 +3967,7 @@
                     </p:blipFill>
                     <p:spPr>
                       <a:xfrm>
-                        <a:off x="5178425" y="5518150"/>
+                        <a:off x="5502634" y="5518150"/>
                         <a:ext cx="1847850" cy="1087438"/>
                       </a:xfrm>
                       <a:prstGeom prst="rect">
@@ -3819,7 +4003,7 @@
           <a:graphicData uri="http://schemas.openxmlformats.org/presentationml/2006/ole">
             <mc:AlternateContent xmlns:mc="http://schemas.openxmlformats.org/markup-compatibility/2006">
               <mc:Choice xmlns:v="urn:schemas-microsoft-com:vml" Requires="v">
-                <p:oleObj spid="_x0000_s3088" name="Equation" r:id="rId7" imgW="1307880" imgH="761760" progId="Equation.DSMT4">
+                <p:oleObj spid="_x0000_s3112" name="Equation" r:id="rId7" imgW="1307880" imgH="761760" progId="Equation.DSMT4">
                   <p:embed/>
                 </p:oleObj>
               </mc:Choice>
@@ -3856,7 +4040,7 @@
       </p:graphicFrame>
       <p:pic>
         <p:nvPicPr>
-          <p:cNvPr id="4" name="Рисунок 3"/>
+          <p:cNvPr id="3" name="Рисунок 2"/>
           <p:cNvPicPr>
             <a:picLocks noChangeAspect="1"/>
           </p:cNvPicPr>
@@ -3870,13 +4054,13 @@
               </a:ext>
             </a:extLst>
           </a:blip>
-          <a:srcRect l="17490" r="21125"/>
+          <a:srcRect l="17263" t="-452" r="20730"/>
           <a:stretch/>
         </p:blipFill>
         <p:spPr>
           <a:xfrm>
-            <a:off x="377430" y="1026264"/>
-            <a:ext cx="4075890" cy="4426526"/>
+            <a:off x="254000" y="927100"/>
+            <a:ext cx="4152900" cy="4485187"/>
           </a:xfrm>
           <a:prstGeom prst="rect">
             <a:avLst/>
@@ -3885,7 +4069,7 @@
       </p:pic>
       <p:pic>
         <p:nvPicPr>
-          <p:cNvPr id="5" name="Рисунок 4"/>
+          <p:cNvPr id="6" name="Рисунок 5"/>
           <p:cNvPicPr>
             <a:picLocks noChangeAspect="1"/>
           </p:cNvPicPr>
@@ -3899,13 +4083,13 @@
               </a:ext>
             </a:extLst>
           </a:blip>
-          <a:srcRect l="32683" r="20331"/>
+          <a:srcRect l="32400" r="19228"/>
           <a:stretch/>
         </p:blipFill>
         <p:spPr>
           <a:xfrm>
-            <a:off x="4787288" y="993101"/>
-            <a:ext cx="3143127" cy="4459689"/>
+            <a:off x="4788259" y="896393"/>
+            <a:ext cx="3276600" cy="4515894"/>
           </a:xfrm>
           <a:prstGeom prst="rect">
             <a:avLst/>
@@ -3914,7 +4098,7 @@
       </p:pic>
       <p:pic>
         <p:nvPicPr>
-          <p:cNvPr id="7" name="Объект 6"/>
+          <p:cNvPr id="9" name="Объект 8"/>
           <p:cNvPicPr>
             <a:picLocks noGrp="1" noChangeAspect="1"/>
           </p:cNvPicPr>
@@ -3930,13 +4114,13 @@
               </a:ext>
             </a:extLst>
           </a:blip>
-          <a:srcRect l="33715" r="20363"/>
+          <a:srcRect l="31156" r="19372"/>
           <a:stretch/>
         </p:blipFill>
         <p:spPr>
           <a:xfrm>
-            <a:off x="8446219" y="993101"/>
-            <a:ext cx="3071962" cy="4459689"/>
+            <a:off x="8173244" y="896393"/>
+            <a:ext cx="3327400" cy="4483898"/>
           </a:xfrm>
         </p:spPr>
       </p:pic>
@@ -4048,7 +4232,7 @@
           <a:graphicData uri="http://schemas.openxmlformats.org/presentationml/2006/ole">
             <mc:AlternateContent xmlns:mc="http://schemas.openxmlformats.org/markup-compatibility/2006">
               <mc:Choice xmlns:v="urn:schemas-microsoft-com:vml" Requires="v">
-                <p:oleObj spid="_x0000_s4101" name="Equation" r:id="rId3" imgW="1091880" imgH="495000" progId="Equation.DSMT4">
+                <p:oleObj spid="_x0000_s4107" name="Equation" r:id="rId3" imgW="1091880" imgH="495000" progId="Equation.DSMT4">
                   <p:embed/>
                 </p:oleObj>
               </mc:Choice>
@@ -4266,25 +4450,25 @@
           <p:nvPr>
             <p:extLst>
               <p:ext uri="{D42A27DB-BD31-4B8C-83A1-F6EECF244321}">
-                <p14:modId xmlns:p14="http://schemas.microsoft.com/office/powerpoint/2010/main" val="606914440"/>
+                <p14:modId xmlns:p14="http://schemas.microsoft.com/office/powerpoint/2010/main" val="848154447"/>
               </p:ext>
             </p:extLst>
           </p:nvPr>
         </p:nvGraphicFramePr>
         <p:xfrm>
-          <a:off x="2003339" y="5518150"/>
-          <a:ext cx="1576387" cy="1087438"/>
+          <a:off x="1858963" y="5518150"/>
+          <a:ext cx="1866900" cy="1087438"/>
         </p:xfrm>
         <a:graphic>
           <a:graphicData uri="http://schemas.openxmlformats.org/presentationml/2006/ole">
             <mc:AlternateContent xmlns:mc="http://schemas.openxmlformats.org/markup-compatibility/2006">
               <mc:Choice xmlns:v="urn:schemas-microsoft-com:vml" Requires="v">
-                <p:oleObj spid="_x0000_s2065" name="Equation" r:id="rId3" imgW="1104840" imgH="761760" progId="Equation.DSMT4">
+                <p:oleObj spid="_x0000_s2086" name="Equation" r:id="rId3" imgW="1307880" imgH="761760" progId="Equation.DSMT4">
                   <p:embed/>
                 </p:oleObj>
               </mc:Choice>
               <mc:Fallback>
-                <p:oleObj name="Equation" r:id="rId3" imgW="1104840" imgH="761760" progId="Equation.DSMT4">
+                <p:oleObj name="Equation" r:id="rId3" imgW="1307880" imgH="761760" progId="Equation.DSMT4">
                   <p:embed/>
                   <p:pic>
                     <p:nvPicPr>
@@ -4300,8 +4484,8 @@
                     </p:blipFill>
                     <p:spPr>
                       <a:xfrm>
-                        <a:off x="2003339" y="5518150"/>
-                        <a:ext cx="1576387" cy="1087438"/>
+                        <a:off x="1858963" y="5518150"/>
+                        <a:ext cx="1866900" cy="1087438"/>
                       </a:xfrm>
                       <a:prstGeom prst="rect">
                         <a:avLst/>
@@ -4336,7 +4520,7 @@
           <a:graphicData uri="http://schemas.openxmlformats.org/presentationml/2006/ole">
             <mc:AlternateContent xmlns:mc="http://schemas.openxmlformats.org/markup-compatibility/2006">
               <mc:Choice xmlns:v="urn:schemas-microsoft-com:vml" Requires="v">
-                <p:oleObj spid="_x0000_s2066" name="Equation" r:id="rId5" imgW="1307880" imgH="761760" progId="Equation.DSMT4">
+                <p:oleObj spid="_x0000_s2087" name="Equation" r:id="rId5" imgW="1307880" imgH="761760" progId="Equation.DSMT4">
                   <p:embed/>
                 </p:oleObj>
               </mc:Choice>
@@ -4393,7 +4577,7 @@
           <a:graphicData uri="http://schemas.openxmlformats.org/presentationml/2006/ole">
             <mc:AlternateContent xmlns:mc="http://schemas.openxmlformats.org/markup-compatibility/2006">
               <mc:Choice xmlns:v="urn:schemas-microsoft-com:vml" Requires="v">
-                <p:oleObj spid="_x0000_s2067" name="Equation" r:id="rId7" imgW="1295280" imgH="761760" progId="Equation.DSMT4">
+                <p:oleObj spid="_x0000_s2088" name="Equation" r:id="rId7" imgW="1295280" imgH="761760" progId="Equation.DSMT4">
                   <p:embed/>
                 </p:oleObj>
               </mc:Choice>
@@ -4459,7 +4643,7 @@
       </p:pic>
       <p:pic>
         <p:nvPicPr>
-          <p:cNvPr id="4" name="Рисунок 3"/>
+          <p:cNvPr id="5" name="Рисунок 4"/>
           <p:cNvPicPr>
             <a:picLocks noChangeAspect="1"/>
           </p:cNvPicPr>
@@ -4473,13 +4657,13 @@
               </a:ext>
             </a:extLst>
           </a:blip>
-          <a:srcRect l="32986" r="20139"/>
+          <a:srcRect l="17669" r="19991"/>
           <a:stretch/>
         </p:blipFill>
         <p:spPr>
           <a:xfrm>
-            <a:off x="4834077" y="953707"/>
-            <a:ext cx="3187548" cy="4533410"/>
+            <a:off x="249768" y="947333"/>
+            <a:ext cx="4243614" cy="4538137"/>
           </a:xfrm>
           <a:prstGeom prst="rect">
             <a:avLst/>
@@ -4488,13 +4672,11 @@
       </p:pic>
       <p:pic>
         <p:nvPicPr>
-          <p:cNvPr id="6" name="Объект 5"/>
+          <p:cNvPr id="7" name="Рисунок 6"/>
           <p:cNvPicPr>
-            <a:picLocks noGrp="1" noChangeAspect="1"/>
+            <a:picLocks noChangeAspect="1"/>
           </p:cNvPicPr>
-          <p:nvPr>
-            <p:ph idx="1"/>
-          </p:nvPr>
+          <p:nvPr/>
         </p:nvPicPr>
         <p:blipFill rotWithShape="1">
           <a:blip r:embed="rId11" cstate="print">
@@ -4504,13 +4686,44 @@
               </a:ext>
             </a:extLst>
           </a:blip>
-          <a:srcRect l="33131" r="19596"/>
+          <a:srcRect l="32894" r="18785"/>
           <a:stretch/>
         </p:blipFill>
         <p:spPr>
           <a:xfrm>
-            <a:off x="8402382" y="953707"/>
-            <a:ext cx="3159635" cy="4455904"/>
+            <a:off x="4893347" y="953707"/>
+            <a:ext cx="3287498" cy="4535697"/>
+          </a:xfrm>
+          <a:prstGeom prst="rect">
+            <a:avLst/>
+          </a:prstGeom>
+        </p:spPr>
+      </p:pic>
+      <p:pic>
+        <p:nvPicPr>
+          <p:cNvPr id="9" name="Объект 8"/>
+          <p:cNvPicPr>
+            <a:picLocks noGrp="1" noChangeAspect="1"/>
+          </p:cNvPicPr>
+          <p:nvPr>
+            <p:ph idx="1"/>
+          </p:nvPr>
+        </p:nvPicPr>
+        <p:blipFill rotWithShape="1">
+          <a:blip r:embed="rId12" cstate="print">
+            <a:extLst>
+              <a:ext uri="{28A0092B-C50C-407E-A947-70E740481C1C}">
+                <a14:useLocalDpi xmlns:a14="http://schemas.microsoft.com/office/drawing/2010/main" val="0"/>
+              </a:ext>
+            </a:extLst>
+          </a:blip>
+          <a:srcRect l="30959" r="19193"/>
+          <a:stretch/>
+        </p:blipFill>
+        <p:spPr>
+          <a:xfrm>
+            <a:off x="8290416" y="927100"/>
+            <a:ext cx="3383564" cy="4525198"/>
           </a:xfrm>
         </p:spPr>
       </p:pic>
@@ -4554,68 +4767,58 @@
             <p:ph type="title"/>
           </p:nvPr>
         </p:nvSpPr>
-        <p:spPr/>
+        <p:spPr>
+          <a:xfrm>
+            <a:off x="838200" y="160421"/>
+            <a:ext cx="10515600" cy="784309"/>
+          </a:xfrm>
+        </p:spPr>
         <p:txBody>
           <a:bodyPr/>
           <a:lstStyle/>
           <a:p>
             <a:r>
+              <a:rPr lang="en-US" dirty="0"/>
+              <a:t> </a:t>
+            </a:r>
+            <a:r>
               <a:rPr lang="ru-RU" dirty="0" smtClean="0"/>
-              <a:t>Результаты</a:t>
+              <a:t>Визуализация с помощью графов</a:t>
             </a:r>
             <a:endParaRPr lang="ru-RU" dirty="0"/>
           </a:p>
         </p:txBody>
       </p:sp>
-      <p:sp>
-        <p:nvSpPr>
-          <p:cNvPr id="3" name="Объект 2"/>
-          <p:cNvSpPr>
-            <a:spLocks noGrp="1"/>
-          </p:cNvSpPr>
-          <p:nvPr>
-            <p:ph idx="1"/>
-          </p:nvPr>
-        </p:nvSpPr>
-        <p:spPr/>
-        <p:txBody>
-          <a:bodyPr/>
-          <a:lstStyle/>
-          <a:p>
-            <a:r>
-              <a:rPr lang="ru-RU" dirty="0" smtClean="0"/>
-              <a:t>Анализ финансовых транзакций с целью предотвращения мошеннических операций</a:t>
-            </a:r>
-          </a:p>
-          <a:p>
-            <a:r>
-              <a:rPr lang="ru-RU" dirty="0" smtClean="0"/>
-              <a:t>Прикладная программа, визуализирующая графы переводов</a:t>
-            </a:r>
-          </a:p>
-          <a:p>
-            <a:r>
-              <a:rPr lang="ru-RU" dirty="0" smtClean="0"/>
-              <a:t>Модель, способная классифицировать финансовые транзакции</a:t>
-            </a:r>
-          </a:p>
-          <a:p>
-            <a:r>
-              <a:rPr lang="ru-RU" dirty="0" smtClean="0"/>
-              <a:t>Процедуры по улучшению качества предсказаний, принесшие результат</a:t>
-            </a:r>
-          </a:p>
-          <a:p>
-            <a:r>
-              <a:rPr lang="ru-RU" dirty="0" smtClean="0"/>
-              <a:t>Сравнительный анализ эффективности разных моделей</a:t>
-            </a:r>
-          </a:p>
-          <a:p>
-            <a:endParaRPr lang="ru-RU" dirty="0"/>
-          </a:p>
-        </p:txBody>
-      </p:sp>
+      <p:pic>
+        <p:nvPicPr>
+          <p:cNvPr id="3" name="Рисунок 2"/>
+          <p:cNvPicPr>
+            <a:picLocks noChangeAspect="1"/>
+          </p:cNvPicPr>
+          <p:nvPr/>
+        </p:nvPicPr>
+        <p:blipFill>
+          <a:blip r:embed="rId2">
+            <a:extLst>
+              <a:ext uri="{28A0092B-C50C-407E-A947-70E740481C1C}">
+                <a14:useLocalDpi xmlns:a14="http://schemas.microsoft.com/office/drawing/2010/main" val="0"/>
+              </a:ext>
+            </a:extLst>
+          </a:blip>
+          <a:stretch>
+            <a:fillRect/>
+          </a:stretch>
+        </p:blipFill>
+        <p:spPr>
+          <a:xfrm>
+            <a:off x="1078831" y="874293"/>
+            <a:ext cx="9541042" cy="5765226"/>
+          </a:xfrm>
+          <a:prstGeom prst="rect">
+            <a:avLst/>
+          </a:prstGeom>
+        </p:spPr>
+      </p:pic>
       <p:sp>
         <p:nvSpPr>
           <p:cNvPr id="4" name="Номер слайда 3"/>
@@ -4628,7 +4831,7 @@
         </p:nvSpPr>
         <p:spPr>
           <a:xfrm>
-            <a:off x="8610600" y="257666"/>
+            <a:off x="8610600" y="187450"/>
             <a:ext cx="2743200" cy="365125"/>
           </a:xfrm>
         </p:spPr>
@@ -4640,20 +4843,27 @@
               <a:rPr lang="ru-RU" sz="1600" smtClean="0"/>
               <a:t>13</a:t>
             </a:fld>
-            <a:endParaRPr lang="ru-RU" dirty="0"/>
+            <a:endParaRPr lang="ru-RU" sz="1600" dirty="0"/>
           </a:p>
         </p:txBody>
       </p:sp>
     </p:spTree>
     <p:extLst>
       <p:ext uri="{BB962C8B-B14F-4D97-AF65-F5344CB8AC3E}">
-        <p14:creationId xmlns:p14="http://schemas.microsoft.com/office/powerpoint/2010/main" val="3894200425"/>
+        <p14:creationId xmlns:p14="http://schemas.microsoft.com/office/powerpoint/2010/main" val="3319407147"/>
       </p:ext>
     </p:extLst>
   </p:cSld>
   <p:clrMapOvr>
     <a:masterClrMapping/>
   </p:clrMapOvr>
+  <p:timing>
+    <p:tnLst>
+      <p:par>
+        <p:cTn id="1" dur="indefinite" restart="never" nodeType="tmRoot"/>
+      </p:par>
+    </p:tnLst>
+  </p:timing>
 </p:sld>
 </file>
 
@@ -4684,6 +4894,148 @@
             <p:ph type="title"/>
           </p:nvPr>
         </p:nvSpPr>
+        <p:spPr/>
+        <p:txBody>
+          <a:bodyPr/>
+          <a:lstStyle/>
+          <a:p>
+            <a:r>
+              <a:rPr lang="ru-RU" dirty="0" smtClean="0"/>
+              <a:t>Результаты</a:t>
+            </a:r>
+            <a:endParaRPr lang="ru-RU" dirty="0"/>
+          </a:p>
+        </p:txBody>
+      </p:sp>
+      <p:sp>
+        <p:nvSpPr>
+          <p:cNvPr id="3" name="Объект 2"/>
+          <p:cNvSpPr>
+            <a:spLocks noGrp="1"/>
+          </p:cNvSpPr>
+          <p:nvPr>
+            <p:ph idx="1"/>
+          </p:nvPr>
+        </p:nvSpPr>
+        <p:spPr/>
+        <p:txBody>
+          <a:bodyPr/>
+          <a:lstStyle/>
+          <a:p>
+            <a:r>
+              <a:rPr lang="ru-RU" dirty="0" smtClean="0"/>
+              <a:t>Произведен анализ </a:t>
+            </a:r>
+            <a:r>
+              <a:rPr lang="ru-RU" dirty="0" smtClean="0"/>
+              <a:t>финансовых транзакций с целью предотвращения мошеннических операций</a:t>
+            </a:r>
+          </a:p>
+          <a:p>
+            <a:r>
+              <a:rPr lang="ru-RU" dirty="0" smtClean="0"/>
+              <a:t>Реализована прикладная </a:t>
+            </a:r>
+            <a:r>
+              <a:rPr lang="ru-RU" dirty="0" smtClean="0"/>
+              <a:t>программа, визуализирующая графы переводов</a:t>
+            </a:r>
+          </a:p>
+          <a:p>
+            <a:r>
+              <a:rPr lang="ru-RU" dirty="0" smtClean="0"/>
+              <a:t>Спроектирована модель</a:t>
+            </a:r>
+            <a:r>
+              <a:rPr lang="ru-RU" dirty="0" smtClean="0"/>
+              <a:t>, способная классифицировать финансовые транзакции</a:t>
+            </a:r>
+          </a:p>
+          <a:p>
+            <a:r>
+              <a:rPr lang="ru-RU" dirty="0" smtClean="0"/>
+              <a:t>Произведены процедуры </a:t>
+            </a:r>
+            <a:r>
+              <a:rPr lang="ru-RU" dirty="0" smtClean="0"/>
+              <a:t>по улучшению качества предсказаний, принесшие </a:t>
+            </a:r>
+            <a:r>
+              <a:rPr lang="ru-RU" dirty="0" smtClean="0"/>
+              <a:t>результат</a:t>
+            </a:r>
+            <a:endParaRPr lang="ru-RU" dirty="0" smtClean="0"/>
+          </a:p>
+        </p:txBody>
+      </p:sp>
+      <p:sp>
+        <p:nvSpPr>
+          <p:cNvPr id="4" name="Номер слайда 3"/>
+          <p:cNvSpPr>
+            <a:spLocks noGrp="1"/>
+          </p:cNvSpPr>
+          <p:nvPr>
+            <p:ph type="sldNum" sz="quarter" idx="12"/>
+          </p:nvPr>
+        </p:nvSpPr>
+        <p:spPr>
+          <a:xfrm>
+            <a:off x="8610600" y="257666"/>
+            <a:ext cx="2743200" cy="365125"/>
+          </a:xfrm>
+        </p:spPr>
+        <p:txBody>
+          <a:bodyPr/>
+          <a:lstStyle/>
+          <a:p>
+            <a:fld id="{A8413CF5-DF56-493D-B7DE-590ED68A52D4}" type="slidenum">
+              <a:rPr lang="ru-RU" sz="1600" smtClean="0"/>
+              <a:t>14</a:t>
+            </a:fld>
+            <a:endParaRPr lang="ru-RU" dirty="0"/>
+          </a:p>
+        </p:txBody>
+      </p:sp>
+    </p:spTree>
+    <p:extLst>
+      <p:ext uri="{BB962C8B-B14F-4D97-AF65-F5344CB8AC3E}">
+        <p14:creationId xmlns:p14="http://schemas.microsoft.com/office/powerpoint/2010/main" val="3894200425"/>
+      </p:ext>
+    </p:extLst>
+  </p:cSld>
+  <p:clrMapOvr>
+    <a:masterClrMapping/>
+  </p:clrMapOvr>
+</p:sld>
+</file>
+
+<file path=ppt/slides/slide15.xml><?xml version="1.0" encoding="utf-8"?>
+<p:sld xmlns:a="http://schemas.openxmlformats.org/drawingml/2006/main" xmlns:r="http://schemas.openxmlformats.org/officeDocument/2006/relationships" xmlns:p="http://schemas.openxmlformats.org/presentationml/2006/main">
+  <p:cSld>
+    <p:spTree>
+      <p:nvGrpSpPr>
+        <p:cNvPr id="1" name=""/>
+        <p:cNvGrpSpPr/>
+        <p:nvPr/>
+      </p:nvGrpSpPr>
+      <p:grpSpPr>
+        <a:xfrm>
+          <a:off x="0" y="0"/>
+          <a:ext cx="0" cy="0"/>
+          <a:chOff x="0" y="0"/>
+          <a:chExt cx="0" cy="0"/>
+        </a:xfrm>
+      </p:grpSpPr>
+      <p:sp>
+        <p:nvSpPr>
+          <p:cNvPr id="2" name="Заголовок 1"/>
+          <p:cNvSpPr>
+            <a:spLocks noGrp="1"/>
+          </p:cNvSpPr>
+          <p:nvPr>
+            <p:ph type="title"/>
+          </p:nvPr>
+        </p:nvSpPr>
         <p:spPr>
           <a:xfrm>
             <a:off x="838200" y="2546350"/>
@@ -4727,7 +5079,7 @@
           <a:p>
             <a:fld id="{A8413CF5-DF56-493D-B7DE-590ED68A52D4}" type="slidenum">
               <a:rPr lang="ru-RU" sz="1600" smtClean="0"/>
-              <a:t>14</a:t>
+              <a:t>15</a:t>
             </a:fld>
             <a:endParaRPr lang="ru-RU" dirty="0"/>
           </a:p>
@@ -4825,7 +5177,15 @@
           <a:p>
             <a:r>
               <a:rPr lang="ru-RU" dirty="0" smtClean="0"/>
-              <a:t>Реализовать классификатор способный отличить мошеннические транзакции от не мошеннических</a:t>
+              <a:t>Реализовать </a:t>
+            </a:r>
+            <a:r>
+              <a:rPr lang="ru-RU" dirty="0" smtClean="0"/>
+              <a:t>классификатор, способный </a:t>
+            </a:r>
+            <a:r>
+              <a:rPr lang="ru-RU" dirty="0" smtClean="0"/>
+              <a:t>отличить мошеннические транзакции от не мошеннических</a:t>
             </a:r>
           </a:p>
           <a:p>
@@ -4848,7 +5208,6 @@
               <a:rPr lang="ru-RU" dirty="0" smtClean="0"/>
               <a:t>, добавить их в модель и проверить значимость</a:t>
             </a:r>
-            <a:endParaRPr lang="ru-RU" dirty="0" smtClean="0"/>
           </a:p>
           <a:p>
             <a:endParaRPr lang="ru-RU" dirty="0"/>
@@ -4893,6 +5252,13 @@
   <p:clrMapOvr>
     <a:masterClrMapping/>
   </p:clrMapOvr>
+  <p:timing>
+    <p:tnLst>
+      <p:par>
+        <p:cTn id="1" dur="indefinite" restart="never" nodeType="tmRoot"/>
+      </p:par>
+    </p:tnLst>
+  </p:timing>
 </p:sld>
 </file>
 
@@ -4923,19 +5289,14 @@
             <p:ph type="title"/>
           </p:nvPr>
         </p:nvSpPr>
-        <p:spPr>
-          <a:xfrm>
-            <a:off x="838200" y="365125"/>
-            <a:ext cx="10515600" cy="955675"/>
-          </a:xfrm>
-        </p:spPr>
+        <p:spPr/>
         <p:txBody>
           <a:bodyPr/>
           <a:lstStyle/>
           <a:p>
             <a:r>
               <a:rPr lang="ru-RU" dirty="0" smtClean="0"/>
-              <a:t>Данные</a:t>
+              <a:t>Источник данных</a:t>
             </a:r>
             <a:endParaRPr lang="ru-RU" dirty="0"/>
           </a:p>
@@ -4951,371 +5312,67 @@
             <p:ph idx="1"/>
           </p:nvPr>
         </p:nvSpPr>
-        <p:spPr>
-          <a:xfrm>
-            <a:off x="838200" y="1320800"/>
-            <a:ext cx="10515600" cy="5163127"/>
-          </a:xfrm>
-        </p:spPr>
+        <p:spPr/>
         <p:txBody>
           <a:bodyPr>
-            <a:normAutofit fontScale="62500" lnSpcReduction="20000"/>
+            <a:normAutofit/>
           </a:bodyPr>
           <a:lstStyle/>
           <a:p>
-            <a:pPr marL="0" indent="0">
-              <a:buNone/>
-            </a:pPr>
-            <a:endParaRPr lang="ru-RU" sz="2300" dirty="0" smtClean="0"/>
-          </a:p>
-          <a:p>
-            <a:endParaRPr lang="ru-RU" sz="1800" dirty="0"/>
-          </a:p>
-          <a:p>
-            <a:pPr marL="0" indent="0">
-              <a:buNone/>
-            </a:pPr>
-            <a:endParaRPr lang="en-US" sz="1800" dirty="0" smtClean="0"/>
-          </a:p>
-          <a:p>
-            <a:endParaRPr lang="en-US" sz="1800" dirty="0"/>
-          </a:p>
-          <a:p>
-            <a:endParaRPr lang="ru-RU" sz="1800" dirty="0" smtClean="0"/>
-          </a:p>
-          <a:p>
-            <a:pPr marL="0" indent="0">
-              <a:buNone/>
-            </a:pPr>
-            <a:endParaRPr lang="ru-RU" sz="1800" dirty="0" smtClean="0"/>
-          </a:p>
-          <a:p>
-            <a:pPr marL="0" indent="0">
-              <a:buNone/>
-            </a:pPr>
-            <a:endParaRPr lang="ru-RU" sz="1800" dirty="0"/>
-          </a:p>
-          <a:p>
-            <a:pPr fontAlgn="base"/>
-            <a:r>
-              <a:rPr lang="en-US" b="1" dirty="0" smtClean="0"/>
-              <a:t>step</a:t>
-            </a:r>
-            <a:r>
-              <a:rPr lang="en-US" dirty="0" smtClean="0"/>
-              <a:t> </a:t>
-            </a:r>
             <a:r>
               <a:rPr lang="ru-RU" dirty="0" smtClean="0"/>
-              <a:t>			аналог времени. 1 </a:t>
-            </a:r>
-            <a:r>
-              <a:rPr lang="en-US" dirty="0" smtClean="0"/>
-              <a:t>step = </a:t>
-            </a:r>
+              <a:t>Взяты с онлайн-сообщества специалистов по анализу данных и машинному обучению </a:t>
+            </a:r>
+            <a:r>
+              <a:rPr lang="en-US" i="1" dirty="0" smtClean="0"/>
+              <a:t>kaggle.com</a:t>
+            </a:r>
+          </a:p>
+          <a:p>
             <a:r>
               <a:rPr lang="ru-RU" dirty="0" smtClean="0"/>
-              <a:t>1 час (всего 744 </a:t>
-            </a:r>
-            <a:r>
-              <a:rPr lang="en-US" dirty="0" smtClean="0"/>
-              <a:t>= 30 </a:t>
-            </a:r>
+              <a:t>Созданы синтетически симулятором </a:t>
+            </a:r>
+            <a:r>
+              <a:rPr lang="en-US" i="1" dirty="0" err="1" smtClean="0"/>
+              <a:t>PaySim</a:t>
+            </a:r>
+            <a:endParaRPr lang="ru-RU" i="1" dirty="0" smtClean="0"/>
+          </a:p>
+          <a:p>
             <a:r>
               <a:rPr lang="ru-RU" dirty="0" smtClean="0"/>
-              <a:t>дней)</a:t>
-            </a:r>
-            <a:endParaRPr lang="en-US" dirty="0"/>
-          </a:p>
-          <a:p>
-            <a:pPr fontAlgn="base"/>
-            <a:r>
-              <a:rPr lang="en-US" b="1" dirty="0" smtClean="0"/>
-              <a:t>type</a:t>
-            </a:r>
+              <a:t>Выборка моделируется на основе реальных транзакций сервиса мобильных переводов компании, работающей в 14 африканских странах</a:t>
+            </a:r>
+          </a:p>
+          <a:p>
             <a:r>
               <a:rPr lang="ru-RU" dirty="0" smtClean="0"/>
-              <a:t> 			тип транзакции (</a:t>
-            </a:r>
-            <a:r>
-              <a:rPr lang="en-US" dirty="0" smtClean="0"/>
-              <a:t>CASH-IN, </a:t>
-            </a:r>
-            <a:r>
-              <a:rPr lang="en-US" dirty="0"/>
-              <a:t>CASH-OUT, DEBIT, </a:t>
-            </a:r>
-            <a:r>
-              <a:rPr lang="en-US" dirty="0" smtClean="0"/>
-              <a:t>PAYMENT</a:t>
-            </a:r>
+              <a:t>При создании симулируется злонамеренное поведение</a:t>
+            </a:r>
+          </a:p>
+          <a:p>
             <a:r>
               <a:rPr lang="ru-RU" dirty="0" smtClean="0"/>
-              <a:t>, </a:t>
-            </a:r>
-            <a:r>
-              <a:rPr lang="en-US" dirty="0" smtClean="0"/>
-              <a:t>TRANSFER</a:t>
+              <a:t>Временное окно – 1 месяц. Количество транзакций - </a:t>
+            </a:r>
+            <a:r>
+              <a:rPr lang="ru-RU" dirty="0"/>
+              <a:t> 6362620 </a:t>
             </a:r>
             <a:r>
               <a:rPr lang="ru-RU" dirty="0" smtClean="0"/>
-              <a:t>)</a:t>
-            </a:r>
-            <a:endParaRPr lang="en-US" dirty="0"/>
-          </a:p>
-          <a:p>
-            <a:pPr fontAlgn="base"/>
-            <a:r>
-              <a:rPr lang="en-US" b="1" dirty="0" smtClean="0"/>
-              <a:t>amount</a:t>
-            </a:r>
-            <a:r>
-              <a:rPr lang="ru-RU" dirty="0"/>
-              <a:t>	</a:t>
-            </a:r>
-            <a:r>
-              <a:rPr lang="ru-RU" dirty="0" smtClean="0"/>
-              <a:t>	сумма перевода</a:t>
-            </a:r>
-            <a:endParaRPr lang="en-US" dirty="0"/>
-          </a:p>
-          <a:p>
-            <a:pPr fontAlgn="base"/>
-            <a:r>
-              <a:rPr lang="en-US" b="1" dirty="0" err="1" smtClean="0"/>
-              <a:t>nameOrig</a:t>
-            </a:r>
-            <a:r>
-              <a:rPr lang="ru-RU" b="1" dirty="0" smtClean="0"/>
-              <a:t>		</a:t>
-            </a:r>
-            <a:r>
-              <a:rPr lang="en-US" dirty="0" smtClean="0"/>
-              <a:t>ID </a:t>
-            </a:r>
-            <a:r>
-              <a:rPr lang="ru-RU" dirty="0" smtClean="0"/>
-              <a:t>пользователя-отправителя</a:t>
-            </a:r>
+              <a:t>, 8213 из которых мошеннические</a:t>
+            </a:r>
+          </a:p>
+          <a:p>
             <a:endParaRPr lang="en-US" dirty="0" smtClean="0"/>
           </a:p>
           <a:p>
-            <a:pPr fontAlgn="base"/>
-            <a:r>
-              <a:rPr lang="en-US" b="1" dirty="0" err="1" smtClean="0"/>
-              <a:t>oldbalanceOrg</a:t>
-            </a:r>
-            <a:r>
-              <a:rPr lang="en-US" dirty="0" smtClean="0"/>
-              <a:t> </a:t>
-            </a:r>
-            <a:r>
-              <a:rPr lang="ru-RU" dirty="0"/>
-              <a:t>	</a:t>
-            </a:r>
-            <a:r>
-              <a:rPr lang="ru-RU" dirty="0" smtClean="0"/>
-              <a:t>	баланс отправителя до транзакции</a:t>
-            </a:r>
-            <a:endParaRPr lang="en-US" dirty="0"/>
-          </a:p>
-          <a:p>
-            <a:pPr fontAlgn="base"/>
-            <a:r>
-              <a:rPr lang="en-US" b="1" dirty="0" err="1" smtClean="0"/>
-              <a:t>newbalanceOrig</a:t>
-            </a:r>
-            <a:r>
-              <a:rPr lang="ru-RU" b="1" dirty="0" smtClean="0"/>
-              <a:t>		</a:t>
-            </a:r>
-            <a:r>
-              <a:rPr lang="ru-RU" dirty="0" smtClean="0"/>
-              <a:t>баланс отправителя после транзакции</a:t>
-            </a:r>
-            <a:endParaRPr lang="en-US" dirty="0"/>
-          </a:p>
-          <a:p>
-            <a:pPr fontAlgn="base"/>
-            <a:r>
-              <a:rPr lang="en-US" b="1" dirty="0" err="1" smtClean="0"/>
-              <a:t>nameDest</a:t>
-            </a:r>
-            <a:r>
-              <a:rPr lang="ru-RU" dirty="0"/>
-              <a:t>	</a:t>
-            </a:r>
-            <a:r>
-              <a:rPr lang="ru-RU" dirty="0" smtClean="0"/>
-              <a:t>	</a:t>
-            </a:r>
-            <a:r>
-              <a:rPr lang="en-US" dirty="0" smtClean="0"/>
-              <a:t>ID </a:t>
-            </a:r>
-            <a:r>
-              <a:rPr lang="ru-RU" dirty="0" smtClean="0"/>
-              <a:t>пользователя-получателя</a:t>
-            </a:r>
-            <a:endParaRPr lang="en-US" dirty="0"/>
-          </a:p>
-          <a:p>
-            <a:pPr fontAlgn="base"/>
-            <a:r>
-              <a:rPr lang="en-US" b="1" dirty="0" err="1" smtClean="0"/>
-              <a:t>oldbalanceDest</a:t>
-            </a:r>
-            <a:r>
-              <a:rPr lang="ru-RU" dirty="0"/>
-              <a:t>	</a:t>
-            </a:r>
-            <a:r>
-              <a:rPr lang="ru-RU" dirty="0" smtClean="0"/>
-              <a:t>	баланс получателя </a:t>
-            </a:r>
-            <a:r>
-              <a:rPr lang="ru-RU" dirty="0"/>
-              <a:t>до </a:t>
-            </a:r>
-            <a:r>
-              <a:rPr lang="ru-RU" dirty="0" smtClean="0"/>
-              <a:t>транзакции. </a:t>
-            </a:r>
-            <a:r>
-              <a:rPr lang="en-US" dirty="0" smtClean="0"/>
-              <a:t>ID</a:t>
-            </a:r>
-            <a:r>
-              <a:rPr lang="ru-RU" dirty="0" smtClean="0"/>
-              <a:t>, начинающийся с буквы </a:t>
-            </a:r>
-            <a:r>
-              <a:rPr lang="ru-RU" b="1" dirty="0" smtClean="0"/>
-              <a:t>М</a:t>
-            </a:r>
-            <a:r>
-              <a:rPr lang="ru-RU" dirty="0" smtClean="0"/>
-              <a:t> - </a:t>
-            </a:r>
-            <a:r>
-              <a:rPr lang="en-US" dirty="0" smtClean="0"/>
-              <a:t>Merchant </a:t>
-            </a:r>
-            <a:r>
-              <a:rPr lang="ru-RU" dirty="0" smtClean="0"/>
-              <a:t>			</a:t>
-            </a:r>
-            <a:r>
-              <a:rPr lang="en-US" dirty="0" smtClean="0"/>
-              <a:t>(</a:t>
-            </a:r>
-            <a:r>
-              <a:rPr lang="ru-RU" dirty="0" smtClean="0"/>
-              <a:t>магазин). В этом случае информация отсутствует</a:t>
-            </a:r>
-            <a:endParaRPr lang="en-US" dirty="0"/>
-          </a:p>
-          <a:p>
-            <a:pPr fontAlgn="base"/>
-            <a:r>
-              <a:rPr lang="en-US" b="1" dirty="0" err="1" smtClean="0"/>
-              <a:t>newbalanceDest</a:t>
-            </a:r>
-            <a:r>
-              <a:rPr lang="en-US" dirty="0" smtClean="0"/>
-              <a:t> </a:t>
-            </a:r>
-            <a:r>
-              <a:rPr lang="ru-RU" dirty="0" smtClean="0"/>
-              <a:t>	баланс получателя после транзакции</a:t>
-            </a:r>
-            <a:endParaRPr lang="en-US" dirty="0" smtClean="0"/>
-          </a:p>
-          <a:p>
-            <a:pPr fontAlgn="base"/>
-            <a:r>
-              <a:rPr lang="en-US" b="1" dirty="0" err="1" smtClean="0"/>
-              <a:t>isFraud</a:t>
-            </a:r>
-            <a:r>
-              <a:rPr lang="ru-RU" dirty="0"/>
-              <a:t>	</a:t>
-            </a:r>
-            <a:r>
-              <a:rPr lang="ru-RU" dirty="0" smtClean="0"/>
-              <a:t>		пометка о мошеннической транзакции</a:t>
-            </a:r>
-            <a:endParaRPr lang="en-US" dirty="0" smtClean="0"/>
-          </a:p>
-        </p:txBody>
-      </p:sp>
-      <p:pic>
-        <p:nvPicPr>
-          <p:cNvPr id="10" name="Рисунок 9"/>
-          <p:cNvPicPr>
-            <a:picLocks noChangeAspect="1"/>
-          </p:cNvPicPr>
-          <p:nvPr/>
-        </p:nvPicPr>
-        <p:blipFill>
-          <a:blip r:embed="rId2"/>
-          <a:stretch>
-            <a:fillRect/>
-          </a:stretch>
-        </p:blipFill>
-        <p:spPr>
-          <a:xfrm>
-            <a:off x="1095375" y="1186006"/>
-            <a:ext cx="10001250" cy="1733550"/>
-          </a:xfrm>
-          <a:prstGeom prst="rect">
-            <a:avLst/>
-          </a:prstGeom>
-        </p:spPr>
-      </p:pic>
-      <p:sp>
-        <p:nvSpPr>
-          <p:cNvPr id="12" name="Прямоугольник 11"/>
-          <p:cNvSpPr/>
-          <p:nvPr/>
-        </p:nvSpPr>
-        <p:spPr>
-          <a:xfrm>
-            <a:off x="838199" y="6085549"/>
-            <a:ext cx="6733675" cy="304800"/>
-          </a:xfrm>
-          <a:prstGeom prst="rect">
-            <a:avLst/>
-          </a:prstGeom>
-          <a:noFill/>
-          <a:ln>
-            <a:solidFill>
-              <a:schemeClr val="tx1"/>
-            </a:solidFill>
-          </a:ln>
-        </p:spPr>
-        <p:style>
-          <a:lnRef idx="2">
-            <a:schemeClr val="accent1">
-              <a:shade val="50000"/>
-            </a:schemeClr>
-          </a:lnRef>
-          <a:fillRef idx="1">
-            <a:schemeClr val="accent1"/>
-          </a:fillRef>
-          <a:effectRef idx="0">
-            <a:schemeClr val="accent1"/>
-          </a:effectRef>
-          <a:fontRef idx="minor">
-            <a:schemeClr val="lt1"/>
-          </a:fontRef>
-        </p:style>
-        <p:txBody>
-          <a:bodyPr rtlCol="0" anchor="ctr"/>
-          <a:lstStyle/>
-          <a:p>
-            <a:pPr algn="ctr"/>
-            <a:endParaRPr lang="ru-RU"/>
+            <a:endParaRPr lang="en-US" i="1" dirty="0" smtClean="0"/>
+          </a:p>
+          <a:p>
+            <a:endParaRPr lang="ru-RU" i="1" dirty="0"/>
           </a:p>
         </p:txBody>
       </p:sp>
@@ -5329,28 +5386,23 @@
             <p:ph type="sldNum" sz="quarter" idx="12"/>
           </p:nvPr>
         </p:nvSpPr>
-        <p:spPr>
-          <a:xfrm>
-            <a:off x="8610600" y="182562"/>
-            <a:ext cx="2743200" cy="365125"/>
-          </a:xfrm>
-        </p:spPr>
+        <p:spPr/>
         <p:txBody>
           <a:bodyPr/>
           <a:lstStyle/>
           <a:p>
             <a:fld id="{A8413CF5-DF56-493D-B7DE-590ED68A52D4}" type="slidenum">
-              <a:rPr lang="ru-RU" sz="1600" smtClean="0"/>
+              <a:rPr lang="ru-RU" smtClean="0"/>
               <a:t>3</a:t>
             </a:fld>
-            <a:endParaRPr lang="ru-RU" sz="1600" dirty="0"/>
+            <a:endParaRPr lang="ru-RU"/>
           </a:p>
         </p:txBody>
       </p:sp>
     </p:spTree>
     <p:extLst>
       <p:ext uri="{BB962C8B-B14F-4D97-AF65-F5344CB8AC3E}">
-        <p14:creationId xmlns:p14="http://schemas.microsoft.com/office/powerpoint/2010/main" val="4247691701"/>
+        <p14:creationId xmlns:p14="http://schemas.microsoft.com/office/powerpoint/2010/main" val="2660795955"/>
       </p:ext>
     </p:extLst>
   </p:cSld>
@@ -5396,8 +5448,8 @@
         </p:nvSpPr>
         <p:spPr>
           <a:xfrm>
-            <a:off x="838200" y="160421"/>
-            <a:ext cx="10515600" cy="784309"/>
+            <a:off x="838200" y="365125"/>
+            <a:ext cx="10515600" cy="955675"/>
           </a:xfrm>
         </p:spPr>
         <p:txBody>
@@ -5405,41 +5457,339 @@
           <a:lstStyle/>
           <a:p>
             <a:r>
+              <a:rPr lang="ru-RU" dirty="0" smtClean="0"/>
+              <a:t>Данные</a:t>
+            </a:r>
+            <a:endParaRPr lang="ru-RU" dirty="0"/>
+          </a:p>
+        </p:txBody>
+      </p:sp>
+      <p:sp>
+        <p:nvSpPr>
+          <p:cNvPr id="3" name="Объект 2"/>
+          <p:cNvSpPr>
+            <a:spLocks noGrp="1"/>
+          </p:cNvSpPr>
+          <p:nvPr>
+            <p:ph idx="1"/>
+          </p:nvPr>
+        </p:nvSpPr>
+        <p:spPr>
+          <a:xfrm>
+            <a:off x="838200" y="1320800"/>
+            <a:ext cx="10515600" cy="5163127"/>
+          </a:xfrm>
+        </p:spPr>
+        <p:txBody>
+          <a:bodyPr>
+            <a:normAutofit fontScale="62500" lnSpcReduction="20000"/>
+          </a:bodyPr>
+          <a:lstStyle/>
+          <a:p>
+            <a:pPr marL="0" indent="0">
+              <a:buNone/>
+            </a:pPr>
+            <a:endParaRPr lang="ru-RU" sz="2300" dirty="0" smtClean="0"/>
+          </a:p>
+          <a:p>
+            <a:endParaRPr lang="ru-RU" sz="1800" dirty="0"/>
+          </a:p>
+          <a:p>
+            <a:pPr marL="0" indent="0">
+              <a:buNone/>
+            </a:pPr>
+            <a:endParaRPr lang="en-US" sz="1800" dirty="0" smtClean="0"/>
+          </a:p>
+          <a:p>
+            <a:endParaRPr lang="en-US" sz="1800" dirty="0"/>
+          </a:p>
+          <a:p>
+            <a:endParaRPr lang="ru-RU" sz="1800" dirty="0" smtClean="0"/>
+          </a:p>
+          <a:p>
+            <a:pPr marL="0" indent="0">
+              <a:buNone/>
+            </a:pPr>
+            <a:endParaRPr lang="ru-RU" sz="1800" dirty="0" smtClean="0"/>
+          </a:p>
+          <a:p>
+            <a:pPr marL="0" indent="0">
+              <a:buNone/>
+            </a:pPr>
+            <a:endParaRPr lang="ru-RU" sz="1800" dirty="0"/>
+          </a:p>
+          <a:p>
+            <a:pPr fontAlgn="base"/>
+            <a:r>
+              <a:rPr lang="en-US" b="1" dirty="0" smtClean="0"/>
+              <a:t>step</a:t>
+            </a:r>
+            <a:r>
+              <a:rPr lang="en-US" dirty="0" smtClean="0"/>
+              <a:t> </a:t>
+            </a:r>
+            <a:r>
+              <a:rPr lang="ru-RU" dirty="0" smtClean="0"/>
+              <a:t>			аналог времени. 1 </a:t>
+            </a:r>
+            <a:r>
+              <a:rPr lang="en-US" dirty="0" smtClean="0"/>
+              <a:t>step = </a:t>
+            </a:r>
+            <a:r>
+              <a:rPr lang="ru-RU" dirty="0" smtClean="0"/>
+              <a:t>1 час (всего 744 </a:t>
+            </a:r>
+            <a:r>
+              <a:rPr lang="en-US" dirty="0" smtClean="0"/>
+              <a:t>= 30 </a:t>
+            </a:r>
+            <a:r>
+              <a:rPr lang="ru-RU" dirty="0" smtClean="0"/>
+              <a:t>дней)</a:t>
+            </a:r>
+            <a:endParaRPr lang="en-US" dirty="0"/>
+          </a:p>
+          <a:p>
+            <a:pPr fontAlgn="base"/>
+            <a:r>
+              <a:rPr lang="en-US" b="1" dirty="0" smtClean="0"/>
+              <a:t>type</a:t>
+            </a:r>
+            <a:r>
+              <a:rPr lang="ru-RU" dirty="0" smtClean="0"/>
+              <a:t> 			тип транзакции (</a:t>
+            </a:r>
+            <a:r>
+              <a:rPr lang="en-US" dirty="0" smtClean="0"/>
+              <a:t>CASH-IN, </a:t>
+            </a:r>
+            <a:r>
               <a:rPr lang="en-US" dirty="0"/>
+              <a:t>CASH-OUT, DEBIT, </a:t>
+            </a:r>
+            <a:r>
+              <a:rPr lang="en-US" dirty="0" smtClean="0"/>
+              <a:t>PAYMENT</a:t>
+            </a:r>
+            <a:r>
+              <a:rPr lang="ru-RU" dirty="0" smtClean="0"/>
+              <a:t>, </a:t>
+            </a:r>
+            <a:r>
+              <a:rPr lang="en-US" dirty="0" smtClean="0"/>
+              <a:t>TRANSFER</a:t>
+            </a:r>
+            <a:r>
+              <a:rPr lang="ru-RU" dirty="0" smtClean="0"/>
+              <a:t>)</a:t>
+            </a:r>
+            <a:endParaRPr lang="en-US" dirty="0"/>
+          </a:p>
+          <a:p>
+            <a:pPr fontAlgn="base"/>
+            <a:r>
+              <a:rPr lang="en-US" b="1" dirty="0" smtClean="0"/>
+              <a:t>amount</a:t>
+            </a:r>
+            <a:r>
+              <a:rPr lang="ru-RU" dirty="0"/>
+              <a:t>	</a:t>
+            </a:r>
+            <a:r>
+              <a:rPr lang="ru-RU" dirty="0" smtClean="0"/>
+              <a:t>	сумма перевода</a:t>
+            </a:r>
+            <a:endParaRPr lang="en-US" dirty="0"/>
+          </a:p>
+          <a:p>
+            <a:pPr fontAlgn="base"/>
+            <a:r>
+              <a:rPr lang="en-US" b="1" dirty="0" err="1" smtClean="0"/>
+              <a:t>nameOrig</a:t>
+            </a:r>
+            <a:r>
+              <a:rPr lang="ru-RU" b="1" dirty="0" smtClean="0"/>
+              <a:t>		</a:t>
+            </a:r>
+            <a:r>
+              <a:rPr lang="en-US" dirty="0" smtClean="0"/>
+              <a:t>ID </a:t>
+            </a:r>
+            <a:r>
+              <a:rPr lang="ru-RU" dirty="0" smtClean="0"/>
+              <a:t>пользователя-отправителя</a:t>
+            </a:r>
+            <a:endParaRPr lang="en-US" dirty="0" smtClean="0"/>
+          </a:p>
+          <a:p>
+            <a:pPr fontAlgn="base"/>
+            <a:r>
+              <a:rPr lang="en-US" b="1" dirty="0" err="1" smtClean="0"/>
+              <a:t>oldbalanceOrg</a:t>
+            </a:r>
+            <a:r>
+              <a:rPr lang="en-US" dirty="0" smtClean="0"/>
               <a:t> </a:t>
             </a:r>
             <a:r>
+              <a:rPr lang="ru-RU" dirty="0"/>
+              <a:t>	</a:t>
+            </a:r>
+            <a:r>
               <a:rPr lang="ru-RU" dirty="0" smtClean="0"/>
-              <a:t>Визуализация с помощью графов</a:t>
-            </a:r>
-            <a:endParaRPr lang="ru-RU" dirty="0"/>
+              <a:t>	баланс отправителя до транзакции</a:t>
+            </a:r>
+            <a:endParaRPr lang="en-US" dirty="0"/>
+          </a:p>
+          <a:p>
+            <a:pPr fontAlgn="base"/>
+            <a:r>
+              <a:rPr lang="en-US" b="1" dirty="0" err="1" smtClean="0"/>
+              <a:t>newbalanceOrig</a:t>
+            </a:r>
+            <a:r>
+              <a:rPr lang="ru-RU" b="1" dirty="0" smtClean="0"/>
+              <a:t>		</a:t>
+            </a:r>
+            <a:r>
+              <a:rPr lang="ru-RU" dirty="0" smtClean="0"/>
+              <a:t>баланс отправителя после транзакции</a:t>
+            </a:r>
+            <a:endParaRPr lang="en-US" dirty="0"/>
+          </a:p>
+          <a:p>
+            <a:pPr fontAlgn="base"/>
+            <a:r>
+              <a:rPr lang="en-US" b="1" dirty="0" err="1" smtClean="0"/>
+              <a:t>nameDest</a:t>
+            </a:r>
+            <a:r>
+              <a:rPr lang="ru-RU" dirty="0"/>
+              <a:t>	</a:t>
+            </a:r>
+            <a:r>
+              <a:rPr lang="ru-RU" dirty="0" smtClean="0"/>
+              <a:t>	</a:t>
+            </a:r>
+            <a:r>
+              <a:rPr lang="en-US" dirty="0" smtClean="0"/>
+              <a:t>ID </a:t>
+            </a:r>
+            <a:r>
+              <a:rPr lang="ru-RU" dirty="0" smtClean="0"/>
+              <a:t>пользователя-получателя</a:t>
+            </a:r>
+            <a:endParaRPr lang="en-US" dirty="0"/>
+          </a:p>
+          <a:p>
+            <a:pPr fontAlgn="base"/>
+            <a:r>
+              <a:rPr lang="en-US" b="1" dirty="0" err="1" smtClean="0"/>
+              <a:t>oldbalanceDest</a:t>
+            </a:r>
+            <a:r>
+              <a:rPr lang="ru-RU" dirty="0"/>
+              <a:t>	</a:t>
+            </a:r>
+            <a:r>
+              <a:rPr lang="ru-RU" dirty="0" smtClean="0"/>
+              <a:t>	баланс получателя </a:t>
+            </a:r>
+            <a:r>
+              <a:rPr lang="ru-RU" dirty="0"/>
+              <a:t>до </a:t>
+            </a:r>
+            <a:r>
+              <a:rPr lang="ru-RU" dirty="0" smtClean="0"/>
+              <a:t>транзакции. </a:t>
+            </a:r>
+            <a:r>
+              <a:rPr lang="en-US" dirty="0" smtClean="0"/>
+              <a:t>ID</a:t>
+            </a:r>
+            <a:r>
+              <a:rPr lang="ru-RU" dirty="0" smtClean="0"/>
+              <a:t>, начинающийся с буквы </a:t>
+            </a:r>
+            <a:r>
+              <a:rPr lang="ru-RU" b="1" dirty="0" smtClean="0"/>
+              <a:t>М</a:t>
+            </a:r>
+            <a:r>
+              <a:rPr lang="ru-RU" dirty="0" smtClean="0"/>
+              <a:t> - </a:t>
+            </a:r>
+            <a:r>
+              <a:rPr lang="en-US" dirty="0" smtClean="0"/>
+              <a:t>Merchant </a:t>
+            </a:r>
+            <a:r>
+              <a:rPr lang="ru-RU" dirty="0" smtClean="0"/>
+              <a:t>			</a:t>
+            </a:r>
+            <a:r>
+              <a:rPr lang="en-US" dirty="0" smtClean="0"/>
+              <a:t>(</a:t>
+            </a:r>
+            <a:r>
+              <a:rPr lang="ru-RU" dirty="0" smtClean="0"/>
+              <a:t>магазин). В этом случае информация отсутствует</a:t>
+            </a:r>
+            <a:endParaRPr lang="en-US" dirty="0"/>
+          </a:p>
+          <a:p>
+            <a:pPr fontAlgn="base"/>
+            <a:r>
+              <a:rPr lang="en-US" b="1" dirty="0" err="1" smtClean="0"/>
+              <a:t>newbalanceDest</a:t>
+            </a:r>
+            <a:r>
+              <a:rPr lang="en-US" dirty="0" smtClean="0"/>
+              <a:t> </a:t>
+            </a:r>
+            <a:r>
+              <a:rPr lang="ru-RU" dirty="0" smtClean="0"/>
+              <a:t>	баланс получателя после транзакции</a:t>
+            </a:r>
+            <a:endParaRPr lang="en-US" dirty="0" smtClean="0"/>
+          </a:p>
+          <a:p>
+            <a:pPr fontAlgn="base"/>
+            <a:r>
+              <a:rPr lang="en-US" b="1" dirty="0" err="1" smtClean="0"/>
+              <a:t>isFraud</a:t>
+            </a:r>
+            <a:r>
+              <a:rPr lang="ru-RU" dirty="0"/>
+              <a:t>	</a:t>
+            </a:r>
+            <a:r>
+              <a:rPr lang="ru-RU" dirty="0" smtClean="0"/>
+              <a:t>		пометка о мошеннической транзакции</a:t>
+            </a:r>
+            <a:endParaRPr lang="en-US" dirty="0" smtClean="0"/>
           </a:p>
         </p:txBody>
       </p:sp>
       <p:pic>
         <p:nvPicPr>
-          <p:cNvPr id="3" name="Рисунок 2"/>
+          <p:cNvPr id="10" name="Рисунок 9"/>
           <p:cNvPicPr>
             <a:picLocks noChangeAspect="1"/>
           </p:cNvPicPr>
           <p:nvPr/>
         </p:nvPicPr>
         <p:blipFill>
-          <a:blip r:embed="rId2">
-            <a:extLst>
-              <a:ext uri="{28A0092B-C50C-407E-A947-70E740481C1C}">
-                <a14:useLocalDpi xmlns:a14="http://schemas.microsoft.com/office/drawing/2010/main" val="0"/>
-              </a:ext>
-            </a:extLst>
-          </a:blip>
+          <a:blip r:embed="rId3"/>
           <a:stretch>
             <a:fillRect/>
           </a:stretch>
         </p:blipFill>
         <p:spPr>
           <a:xfrm>
-            <a:off x="1078831" y="874293"/>
-            <a:ext cx="9541042" cy="5765226"/>
+            <a:off x="1095375" y="1186006"/>
+            <a:ext cx="10001250" cy="1733550"/>
           </a:xfrm>
           <a:prstGeom prst="rect">
             <a:avLst/>
@@ -5448,6 +5798,52 @@
       </p:pic>
       <p:sp>
         <p:nvSpPr>
+          <p:cNvPr id="12" name="Прямоугольник 11"/>
+          <p:cNvSpPr/>
+          <p:nvPr/>
+        </p:nvSpPr>
+        <p:spPr>
+          <a:xfrm>
+            <a:off x="838199" y="6085549"/>
+            <a:ext cx="6733675" cy="304800"/>
+          </a:xfrm>
+          <a:prstGeom prst="rect">
+            <a:avLst/>
+          </a:prstGeom>
+          <a:noFill/>
+          <a:ln>
+            <a:solidFill>
+              <a:schemeClr val="tx1"/>
+            </a:solidFill>
+          </a:ln>
+        </p:spPr>
+        <p:style>
+          <a:lnRef idx="2">
+            <a:schemeClr val="accent1">
+              <a:shade val="50000"/>
+            </a:schemeClr>
+          </a:lnRef>
+          <a:fillRef idx="1">
+            <a:schemeClr val="accent1"/>
+          </a:fillRef>
+          <a:effectRef idx="0">
+            <a:schemeClr val="accent1"/>
+          </a:effectRef>
+          <a:fontRef idx="minor">
+            <a:schemeClr val="lt1"/>
+          </a:fontRef>
+        </p:style>
+        <p:txBody>
+          <a:bodyPr rtlCol="0" anchor="ctr"/>
+          <a:lstStyle/>
+          <a:p>
+            <a:pPr algn="ctr"/>
+            <a:endParaRPr lang="ru-RU"/>
+          </a:p>
+        </p:txBody>
+      </p:sp>
+      <p:sp>
+        <p:nvSpPr>
           <p:cNvPr id="4" name="Номер слайда 3"/>
           <p:cNvSpPr>
             <a:spLocks noGrp="1"/>
@@ -5458,7 +5854,7 @@
         </p:nvSpPr>
         <p:spPr>
           <a:xfrm>
-            <a:off x="8610600" y="187450"/>
+            <a:off x="8610600" y="182562"/>
             <a:ext cx="2743200" cy="365125"/>
           </a:xfrm>
         </p:spPr>
@@ -5477,7 +5873,7 @@
     </p:spTree>
     <p:extLst>
       <p:ext uri="{BB962C8B-B14F-4D97-AF65-F5344CB8AC3E}">
-        <p14:creationId xmlns:p14="http://schemas.microsoft.com/office/powerpoint/2010/main" val="3319407147"/>
+        <p14:creationId xmlns:p14="http://schemas.microsoft.com/office/powerpoint/2010/main" val="4247691701"/>
       </p:ext>
     </p:extLst>
   </p:cSld>
@@ -5549,7 +5945,7 @@
             <p:ph idx="1"/>
             <p:extLst>
               <p:ext uri="{D42A27DB-BD31-4B8C-83A1-F6EECF244321}">
-                <p14:modId xmlns:p14="http://schemas.microsoft.com/office/powerpoint/2010/main" val="249029030"/>
+                <p14:modId xmlns:p14="http://schemas.microsoft.com/office/powerpoint/2010/main" val="1688008696"/>
               </p:ext>
             </p:extLst>
           </p:nvPr>
@@ -5772,12 +6168,12 @@
                         <a:t> </a:t>
                       </a:r>
                       <a:r>
-                        <a:rPr lang="ru-RU" sz="1400" baseline="0" dirty="0" err="1" smtClean="0"/>
-                        <a:t>немошеннической</a:t>
+                        <a:rPr lang="ru-RU" sz="1400" baseline="0" dirty="0" smtClean="0"/>
+                        <a:t>не мошеннической </a:t>
                       </a:r>
                       <a:r>
                         <a:rPr lang="ru-RU" sz="1400" baseline="0" dirty="0" smtClean="0"/>
-                        <a:t> транзакции</a:t>
+                        <a:t>транзакции</a:t>
                       </a:r>
                       <a:endParaRPr lang="ru-RU" sz="1400" dirty="0" smtClean="0"/>
                     </a:p>
@@ -6686,7 +7082,7 @@
           <p:nvPr/>
         </p:nvPicPr>
         <p:blipFill>
-          <a:blip r:embed="rId2"/>
+          <a:blip r:embed="rId3"/>
           <a:stretch>
             <a:fillRect/>
           </a:stretch>
@@ -6776,23 +7172,87 @@
             <p:ph type="title"/>
           </p:nvPr>
         </p:nvSpPr>
-        <p:spPr>
-          <a:xfrm>
-            <a:off x="838200" y="103517"/>
-            <a:ext cx="10515600" cy="759035"/>
-          </a:xfrm>
-        </p:spPr>
+        <p:spPr/>
         <p:txBody>
           <a:bodyPr/>
           <a:lstStyle/>
           <a:p>
             <a:r>
               <a:rPr lang="ru-RU" dirty="0" smtClean="0"/>
-              <a:t>Проектирование </a:t>
-            </a:r>
+              <a:t>Используемые методы классификации</a:t>
+            </a:r>
+            <a:endParaRPr lang="ru-RU" dirty="0"/>
+          </a:p>
+        </p:txBody>
+      </p:sp>
+      <p:sp>
+        <p:nvSpPr>
+          <p:cNvPr id="3" name="Объект 2"/>
+          <p:cNvSpPr>
+            <a:spLocks noGrp="1"/>
+          </p:cNvSpPr>
+          <p:nvPr>
+            <p:ph idx="1"/>
+          </p:nvPr>
+        </p:nvSpPr>
+        <p:spPr/>
+        <p:txBody>
+          <a:bodyPr/>
+          <a:lstStyle/>
+          <a:p>
             <a:r>
               <a:rPr lang="ru-RU" dirty="0" smtClean="0"/>
-              <a:t>признаков</a:t>
+              <a:t>Случайный лес </a:t>
+            </a:r>
+            <a:r>
+              <a:rPr lang="en-US" dirty="0" smtClean="0"/>
+              <a:t>(Random forest</a:t>
+            </a:r>
+            <a:r>
+              <a:rPr lang="en-US" dirty="0" smtClean="0"/>
+              <a:t>)</a:t>
+            </a:r>
+            <a:endParaRPr lang="ru-RU" dirty="0" smtClean="0"/>
+          </a:p>
+          <a:p>
+            <a:r>
+              <a:rPr lang="ru-RU" dirty="0"/>
+              <a:t>Метод </a:t>
+            </a:r>
+            <a:r>
+              <a:rPr lang="en-US" dirty="0"/>
+              <a:t>k-</a:t>
+            </a:r>
+            <a:r>
+              <a:rPr lang="ru-RU" dirty="0"/>
+              <a:t>ближайших соседей (</a:t>
+            </a:r>
+            <a:r>
+              <a:rPr lang="en-US" dirty="0"/>
+              <a:t>K</a:t>
+            </a:r>
+            <a:r>
+              <a:rPr lang="ru-RU" dirty="0"/>
+              <a:t>-</a:t>
+            </a:r>
+            <a:r>
+              <a:rPr lang="en-US" dirty="0"/>
+              <a:t>neighbors</a:t>
+            </a:r>
+            <a:r>
+              <a:rPr lang="ru-RU" dirty="0" smtClean="0"/>
+              <a:t>)</a:t>
+            </a:r>
+            <a:endParaRPr lang="en-US" dirty="0" smtClean="0"/>
+          </a:p>
+          <a:p>
+            <a:r>
+              <a:rPr lang="ru-RU" dirty="0" smtClean="0"/>
+              <a:t>Наивный байесовский </a:t>
+            </a:r>
+            <a:r>
+              <a:rPr lang="ru-RU" dirty="0" smtClean="0"/>
+              <a:t>классификатор</a:t>
             </a:r>
             <a:endParaRPr lang="ru-RU" dirty="0"/>
           </a:p>
@@ -6800,244 +7260,17 @@
       </p:sp>
       <p:sp>
         <p:nvSpPr>
-          <p:cNvPr id="9" name="TextBox 8"/>
-          <p:cNvSpPr txBox="1"/>
-          <p:nvPr/>
+          <p:cNvPr id="4" name="Номер слайда 3"/>
+          <p:cNvSpPr>
+            <a:spLocks noGrp="1"/>
+          </p:cNvSpPr>
+          <p:nvPr>
+            <p:ph type="sldNum" sz="quarter" idx="12"/>
+          </p:nvPr>
         </p:nvSpPr>
         <p:spPr>
           <a:xfrm>
-            <a:off x="838200" y="2893098"/>
-            <a:ext cx="10515600" cy="3416320"/>
-          </a:xfrm>
-          <a:prstGeom prst="rect">
-            <a:avLst/>
-          </a:prstGeom>
-          <a:noFill/>
-        </p:spPr>
-        <p:txBody>
-          <a:bodyPr wrap="square" rtlCol="0">
-            <a:spAutoFit/>
-          </a:bodyPr>
-          <a:lstStyle/>
-          <a:p>
-            <a:r>
-              <a:rPr lang="ru-RU" dirty="0" smtClean="0"/>
-              <a:t>Выборка сокращена до </a:t>
-            </a:r>
-            <a:r>
-              <a:rPr lang="ru-RU" b="1" dirty="0" smtClean="0"/>
-              <a:t>461382</a:t>
-            </a:r>
-            <a:r>
-              <a:rPr lang="ru-RU" dirty="0" smtClean="0"/>
-              <a:t> </a:t>
-            </a:r>
-            <a:r>
-              <a:rPr lang="ru-RU" dirty="0" smtClean="0"/>
-              <a:t>транзакций. Мошеннические сохранены в исходном объеме.</a:t>
-            </a:r>
-          </a:p>
-          <a:p>
-            <a:endParaRPr lang="ru-RU" dirty="0" smtClean="0"/>
-          </a:p>
-          <a:p>
-            <a:r>
-              <a:rPr lang="ru-RU" dirty="0" smtClean="0"/>
-              <a:t>Убранные признаки: </a:t>
-            </a:r>
-            <a:r>
-              <a:rPr lang="en-US" dirty="0" smtClean="0"/>
-              <a:t>step, ID </a:t>
-            </a:r>
-            <a:r>
-              <a:rPr lang="ru-RU" dirty="0" smtClean="0"/>
-              <a:t>клиентов, новый баланс отправителя, старый и новый баланс получателя</a:t>
-            </a:r>
-          </a:p>
-          <a:p>
-            <a:r>
-              <a:rPr lang="ru-RU" dirty="0" smtClean="0"/>
-              <a:t>Добавленные признаки:</a:t>
-            </a:r>
-          </a:p>
-          <a:p>
-            <a:pPr marL="285750" indent="-285750">
-              <a:buFont typeface="Arial" panose="020B0604020202020204" pitchFamily="34" charset="0"/>
-              <a:buChar char="•"/>
-            </a:pPr>
-            <a:r>
-              <a:rPr lang="en-US" b="1" dirty="0" smtClean="0"/>
-              <a:t>hour 		</a:t>
-            </a:r>
-            <a:r>
-              <a:rPr lang="ru-RU" dirty="0" smtClean="0"/>
-              <a:t>шаг был конвертирован в 24 часов формат</a:t>
-            </a:r>
-            <a:endParaRPr lang="en-US" b="1" dirty="0" smtClean="0"/>
-          </a:p>
-          <a:p>
-            <a:pPr marL="285750" indent="-285750">
-              <a:buFont typeface="Arial" panose="020B0604020202020204" pitchFamily="34" charset="0"/>
-              <a:buChar char="•"/>
-            </a:pPr>
-            <a:r>
-              <a:rPr lang="en-US" b="1" dirty="0" err="1" smtClean="0"/>
-              <a:t>newSender</a:t>
-            </a:r>
-            <a:r>
-              <a:rPr lang="ru-RU" b="1" dirty="0" smtClean="0"/>
-              <a:t>	</a:t>
-            </a:r>
-            <a:r>
-              <a:rPr lang="ru-RU" dirty="0" smtClean="0"/>
-              <a:t>первое ли появление отправителя</a:t>
-            </a:r>
-            <a:endParaRPr lang="en-US" b="1" dirty="0" smtClean="0"/>
-          </a:p>
-          <a:p>
-            <a:pPr marL="285750" indent="-285750">
-              <a:buFont typeface="Arial" panose="020B0604020202020204" pitchFamily="34" charset="0"/>
-              <a:buChar char="•"/>
-            </a:pPr>
-            <a:r>
-              <a:rPr lang="en-US" b="1" dirty="0" err="1" smtClean="0"/>
-              <a:t>newReciver</a:t>
-            </a:r>
-            <a:r>
-              <a:rPr lang="ru-RU" b="1" dirty="0" smtClean="0"/>
-              <a:t>	</a:t>
-            </a:r>
-            <a:r>
-              <a:rPr lang="ru-RU" dirty="0"/>
-              <a:t>первое ли появление </a:t>
-            </a:r>
-            <a:r>
-              <a:rPr lang="ru-RU" dirty="0" smtClean="0"/>
-              <a:t>получателя</a:t>
-            </a:r>
-            <a:endParaRPr lang="en-US" b="1" dirty="0" smtClean="0"/>
-          </a:p>
-          <a:p>
-            <a:pPr marL="285750" indent="-285750">
-              <a:buFont typeface="Arial" panose="020B0604020202020204" pitchFamily="34" charset="0"/>
-              <a:buChar char="•"/>
-            </a:pPr>
-            <a:r>
-              <a:rPr lang="en-US" b="1" dirty="0"/>
-              <a:t>m</a:t>
-            </a:r>
-            <a:r>
-              <a:rPr lang="en-US" b="1" dirty="0" smtClean="0"/>
-              <a:t>erchant	</a:t>
-            </a:r>
-            <a:r>
-              <a:rPr lang="ru-RU" dirty="0" smtClean="0"/>
-              <a:t>является ли получатель магазином</a:t>
-            </a:r>
-            <a:endParaRPr lang="en-US" b="1" dirty="0" smtClean="0"/>
-          </a:p>
-          <a:p>
-            <a:pPr marL="285750" indent="-285750">
-              <a:buFont typeface="Arial" panose="020B0604020202020204" pitchFamily="34" charset="0"/>
-              <a:buChar char="•"/>
-            </a:pPr>
-            <a:r>
-              <a:rPr lang="en-US" b="1" dirty="0" err="1" smtClean="0"/>
-              <a:t>fraudEarly</a:t>
-            </a:r>
-            <a:r>
-              <a:rPr lang="ru-RU" b="1" dirty="0" smtClean="0"/>
-              <a:t>	</a:t>
-            </a:r>
-            <a:r>
-              <a:rPr lang="ru-RU" dirty="0" smtClean="0"/>
-              <a:t>были ли раньше клиенты текущей транзакции замечены в мошеннических</a:t>
-            </a:r>
-            <a:endParaRPr lang="en-US" b="1" dirty="0" smtClean="0"/>
-          </a:p>
-          <a:p>
-            <a:pPr marL="285750" indent="-285750">
-              <a:buFont typeface="Arial" panose="020B0604020202020204" pitchFamily="34" charset="0"/>
-              <a:buChar char="•"/>
-            </a:pPr>
-            <a:r>
-              <a:rPr lang="en-US" b="1" dirty="0" smtClean="0"/>
-              <a:t>LTS</a:t>
-            </a:r>
-            <a:r>
-              <a:rPr lang="ru-RU" b="1" dirty="0" smtClean="0"/>
-              <a:t>		</a:t>
-            </a:r>
-            <a:r>
-              <a:rPr lang="ru-RU" dirty="0" smtClean="0"/>
-              <a:t>время с момента предыдущей транзакции в качестве отправителя</a:t>
-            </a:r>
-            <a:endParaRPr lang="en-US" b="1" dirty="0" smtClean="0"/>
-          </a:p>
-          <a:p>
-            <a:pPr marL="285750" indent="-285750">
-              <a:buFont typeface="Arial" panose="020B0604020202020204" pitchFamily="34" charset="0"/>
-              <a:buChar char="•"/>
-            </a:pPr>
-            <a:r>
-              <a:rPr lang="en-US" b="1" dirty="0" smtClean="0"/>
-              <a:t>LTR</a:t>
-            </a:r>
-            <a:r>
-              <a:rPr lang="ru-RU" b="1" dirty="0" smtClean="0"/>
-              <a:t>		</a:t>
-            </a:r>
-            <a:r>
-              <a:rPr lang="ru-RU" dirty="0" smtClean="0"/>
-              <a:t>время </a:t>
-            </a:r>
-            <a:r>
-              <a:rPr lang="ru-RU" dirty="0"/>
-              <a:t>с момента предыдущей транзакции в качестве </a:t>
-            </a:r>
-            <a:r>
-              <a:rPr lang="ru-RU" dirty="0" smtClean="0"/>
-              <a:t>получателя </a:t>
-            </a:r>
-          </a:p>
-          <a:p>
-            <a:pPr marL="285750" indent="-285750">
-              <a:buFont typeface="Arial" panose="020B0604020202020204" pitchFamily="34" charset="0"/>
-              <a:buChar char="•"/>
-            </a:pPr>
-            <a:r>
-              <a:rPr lang="en-US" b="1" dirty="0" err="1" smtClean="0"/>
-              <a:t>IZoB</a:t>
-            </a:r>
-            <a:r>
-              <a:rPr lang="ru-RU" b="1" dirty="0" smtClean="0"/>
-              <a:t>		</a:t>
-            </a:r>
-            <a:r>
-              <a:rPr lang="ru-RU" dirty="0" smtClean="0"/>
-              <a:t>остается ли 0 на балансе у </a:t>
-            </a:r>
-            <a:r>
-              <a:rPr lang="ru-RU" dirty="0" smtClean="0"/>
-              <a:t>отправителя</a:t>
-            </a:r>
-            <a:endParaRPr lang="en-US" dirty="0" smtClean="0"/>
-          </a:p>
-        </p:txBody>
-      </p:sp>
-      <p:sp>
-        <p:nvSpPr>
-          <p:cNvPr id="3" name="Номер слайда 2"/>
-          <p:cNvSpPr>
-            <a:spLocks noGrp="1"/>
-          </p:cNvSpPr>
-          <p:nvPr>
-            <p:ph type="sldNum" sz="quarter" idx="12"/>
-          </p:nvPr>
-        </p:nvSpPr>
-        <p:spPr>
-          <a:xfrm>
-            <a:off x="8610600" y="103517"/>
+            <a:off x="8610600" y="182562"/>
             <a:ext cx="2743200" cy="365125"/>
           </a:xfrm>
         </p:spPr>
@@ -7049,38 +7282,14 @@
               <a:rPr lang="ru-RU" sz="1600" smtClean="0"/>
               <a:t>6</a:t>
             </a:fld>
-            <a:endParaRPr lang="ru-RU" sz="1600" dirty="0"/>
-          </a:p>
-        </p:txBody>
-      </p:sp>
-      <p:pic>
-        <p:nvPicPr>
-          <p:cNvPr id="4" name="Рисунок 3"/>
-          <p:cNvPicPr>
-            <a:picLocks noChangeAspect="1"/>
-          </p:cNvPicPr>
-          <p:nvPr/>
-        </p:nvPicPr>
-        <p:blipFill>
-          <a:blip r:embed="rId2"/>
-          <a:stretch>
-            <a:fillRect/>
-          </a:stretch>
-        </p:blipFill>
-        <p:spPr>
-          <a:xfrm>
-            <a:off x="1715218" y="909484"/>
-            <a:ext cx="8765875" cy="1720048"/>
-          </a:xfrm>
-          <a:prstGeom prst="rect">
-            <a:avLst/>
-          </a:prstGeom>
-        </p:spPr>
-      </p:pic>
+            <a:endParaRPr lang="ru-RU" dirty="0"/>
+          </a:p>
+        </p:txBody>
+      </p:sp>
     </p:spTree>
     <p:extLst>
       <p:ext uri="{BB962C8B-B14F-4D97-AF65-F5344CB8AC3E}">
-        <p14:creationId xmlns:p14="http://schemas.microsoft.com/office/powerpoint/2010/main" val="2319650022"/>
+        <p14:creationId xmlns:p14="http://schemas.microsoft.com/office/powerpoint/2010/main" val="2839079264"/>
       </p:ext>
     </p:extLst>
   </p:cSld>
@@ -7117,90 +7326,56 @@
             <p:ph type="title"/>
           </p:nvPr>
         </p:nvSpPr>
-        <p:spPr/>
+        <p:spPr>
+          <a:xfrm>
+            <a:off x="838200" y="200025"/>
+            <a:ext cx="10515600" cy="727075"/>
+          </a:xfrm>
+        </p:spPr>
         <p:txBody>
           <a:bodyPr/>
           <a:lstStyle/>
           <a:p>
             <a:r>
               <a:rPr lang="ru-RU" dirty="0" smtClean="0"/>
-              <a:t>Используемые методы классификации</a:t>
+              <a:t>Результаты на «сырых» данных</a:t>
             </a:r>
             <a:endParaRPr lang="ru-RU" dirty="0"/>
           </a:p>
         </p:txBody>
       </p:sp>
-      <p:sp>
-        <p:nvSpPr>
-          <p:cNvPr id="3" name="Объект 2"/>
-          <p:cNvSpPr>
-            <a:spLocks noGrp="1"/>
-          </p:cNvSpPr>
-          <p:nvPr>
-            <p:ph idx="1"/>
-          </p:nvPr>
-        </p:nvSpPr>
-        <p:spPr/>
-        <p:txBody>
-          <a:bodyPr/>
-          <a:lstStyle/>
-          <a:p>
-            <a:r>
-              <a:rPr lang="ru-RU" dirty="0" smtClean="0"/>
-              <a:t>Случайный лес </a:t>
-            </a:r>
-            <a:r>
-              <a:rPr lang="en-US" dirty="0" smtClean="0"/>
-              <a:t>(Random forest)</a:t>
-            </a:r>
-          </a:p>
-          <a:p>
-            <a:r>
-              <a:rPr lang="ru-RU" dirty="0" smtClean="0"/>
-              <a:t>Наивный байесовский классификатор</a:t>
-            </a:r>
-            <a:endParaRPr lang="ru-RU" dirty="0"/>
-          </a:p>
-          <a:p>
-            <a:r>
-              <a:rPr lang="ru-RU" dirty="0"/>
-              <a:t>М</a:t>
-            </a:r>
-            <a:r>
-              <a:rPr lang="ru-RU" dirty="0" smtClean="0"/>
-              <a:t>етод </a:t>
-            </a:r>
-            <a:r>
-              <a:rPr lang="en-US" dirty="0" smtClean="0"/>
-              <a:t>k-</a:t>
-            </a:r>
-            <a:r>
-              <a:rPr lang="ru-RU" dirty="0" smtClean="0"/>
-              <a:t>ближайших соседей (</a:t>
-            </a:r>
-            <a:r>
-              <a:rPr lang="en-US" dirty="0" smtClean="0"/>
-              <a:t>K</a:t>
-            </a:r>
-            <a:r>
-              <a:rPr lang="ru-RU" dirty="0"/>
-              <a:t>-</a:t>
-            </a:r>
-            <a:r>
-              <a:rPr lang="en-US" dirty="0" smtClean="0"/>
-              <a:t>neighbors</a:t>
-            </a:r>
-            <a:r>
-              <a:rPr lang="ru-RU" dirty="0"/>
-              <a:t>)</a:t>
-            </a:r>
-            <a:endParaRPr lang="en-US" dirty="0"/>
-          </a:p>
-        </p:txBody>
-      </p:sp>
-      <p:sp>
-        <p:nvSpPr>
-          <p:cNvPr id="4" name="Номер слайда 3"/>
+      <p:pic>
+        <p:nvPicPr>
+          <p:cNvPr id="21" name="Рисунок 20"/>
+          <p:cNvPicPr>
+            <a:picLocks noChangeAspect="1"/>
+          </p:cNvPicPr>
+          <p:nvPr/>
+        </p:nvPicPr>
+        <p:blipFill rotWithShape="1">
+          <a:blip r:embed="rId3" cstate="print">
+            <a:extLst>
+              <a:ext uri="{28A0092B-C50C-407E-A947-70E740481C1C}">
+                <a14:useLocalDpi xmlns:a14="http://schemas.microsoft.com/office/drawing/2010/main" val="0"/>
+              </a:ext>
+            </a:extLst>
+          </a:blip>
+          <a:srcRect l="16008" t="-80" r="18973"/>
+          <a:stretch/>
+        </p:blipFill>
+        <p:spPr>
+          <a:xfrm>
+            <a:off x="235464" y="927100"/>
+            <a:ext cx="4410356" cy="4525690"/>
+          </a:xfrm>
+          <a:prstGeom prst="rect">
+            <a:avLst/>
+          </a:prstGeom>
+        </p:spPr>
+      </p:pic>
+      <p:sp>
+        <p:nvSpPr>
+          <p:cNvPr id="22" name="Номер слайда 21"/>
           <p:cNvSpPr>
             <a:spLocks noGrp="1"/>
           </p:cNvSpPr>
@@ -7210,7 +7385,7 @@
         </p:nvSpPr>
         <p:spPr>
           <a:xfrm>
-            <a:off x="8610600" y="182562"/>
+            <a:off x="8610600" y="200025"/>
             <a:ext cx="2743200" cy="365125"/>
           </a:xfrm>
         </p:spPr>
@@ -7222,14 +7397,271 @@
               <a:rPr lang="ru-RU" sz="1600" smtClean="0"/>
               <a:t>7</a:t>
             </a:fld>
-            <a:endParaRPr lang="ru-RU" dirty="0"/>
-          </a:p>
-        </p:txBody>
-      </p:sp>
+            <a:endParaRPr lang="ru-RU" sz="1600" dirty="0"/>
+          </a:p>
+        </p:txBody>
+      </p:sp>
+      <p:graphicFrame>
+        <p:nvGraphicFramePr>
+          <p:cNvPr id="24" name="Объект 23"/>
+          <p:cNvGraphicFramePr>
+            <a:graphicFrameLocks noChangeAspect="1"/>
+          </p:cNvGraphicFramePr>
+          <p:nvPr>
+            <p:extLst>
+              <p:ext uri="{D42A27DB-BD31-4B8C-83A1-F6EECF244321}">
+                <p14:modId xmlns:p14="http://schemas.microsoft.com/office/powerpoint/2010/main" val="3881869467"/>
+              </p:ext>
+            </p:extLst>
+          </p:nvPr>
+        </p:nvGraphicFramePr>
+        <p:xfrm>
+          <a:off x="2011255" y="5518791"/>
+          <a:ext cx="1865312" cy="1086614"/>
+        </p:xfrm>
+        <a:graphic>
+          <a:graphicData uri="http://schemas.openxmlformats.org/presentationml/2006/ole">
+            <mc:AlternateContent xmlns:mc="http://schemas.openxmlformats.org/markup-compatibility/2006">
+              <mc:Choice xmlns:v="urn:schemas-microsoft-com:vml" Requires="v">
+                <p:oleObj spid="_x0000_s1091" name="Equation" r:id="rId4" imgW="1307880" imgH="761760" progId="Equation.DSMT4">
+                  <p:embed/>
+                </p:oleObj>
+              </mc:Choice>
+              <mc:Fallback>
+                <p:oleObj name="Equation" r:id="rId4" imgW="1307880" imgH="761760" progId="Equation.DSMT4">
+                  <p:embed/>
+                  <p:pic>
+                    <p:nvPicPr>
+                      <p:cNvPr id="0" name=""/>
+                      <p:cNvPicPr/>
+                      <p:nvPr/>
+                    </p:nvPicPr>
+                    <p:blipFill>
+                      <a:blip r:embed="rId5"/>
+                      <a:stretch>
+                        <a:fillRect/>
+                      </a:stretch>
+                    </p:blipFill>
+                    <p:spPr>
+                      <a:xfrm>
+                        <a:off x="2011255" y="5518791"/>
+                        <a:ext cx="1865312" cy="1086614"/>
+                      </a:xfrm>
+                      <a:prstGeom prst="rect">
+                        <a:avLst/>
+                      </a:prstGeom>
+                    </p:spPr>
+                  </p:pic>
+                </p:oleObj>
+              </mc:Fallback>
+            </mc:AlternateContent>
+          </a:graphicData>
+        </a:graphic>
+      </p:graphicFrame>
+      <p:graphicFrame>
+        <p:nvGraphicFramePr>
+          <p:cNvPr id="25" name="Объект 24"/>
+          <p:cNvGraphicFramePr>
+            <a:graphicFrameLocks noChangeAspect="1"/>
+          </p:cNvGraphicFramePr>
+          <p:nvPr>
+            <p:extLst>
+              <p:ext uri="{D42A27DB-BD31-4B8C-83A1-F6EECF244321}">
+                <p14:modId xmlns:p14="http://schemas.microsoft.com/office/powerpoint/2010/main" val="2447709574"/>
+              </p:ext>
+            </p:extLst>
+          </p:nvPr>
+        </p:nvGraphicFramePr>
+        <p:xfrm>
+          <a:off x="5351223" y="5486036"/>
+          <a:ext cx="1864751" cy="1086614"/>
+        </p:xfrm>
+        <a:graphic>
+          <a:graphicData uri="http://schemas.openxmlformats.org/presentationml/2006/ole">
+            <mc:AlternateContent xmlns:mc="http://schemas.openxmlformats.org/markup-compatibility/2006">
+              <mc:Choice xmlns:v="urn:schemas-microsoft-com:vml" Requires="v">
+                <p:oleObj spid="_x0000_s1092" name="Equation" r:id="rId6" imgW="1307880" imgH="761760" progId="Equation.DSMT4">
+                  <p:embed/>
+                </p:oleObj>
+              </mc:Choice>
+              <mc:Fallback>
+                <p:oleObj name="Equation" r:id="rId6" imgW="1307880" imgH="761760" progId="Equation.DSMT4">
+                  <p:embed/>
+                  <p:pic>
+                    <p:nvPicPr>
+                      <p:cNvPr id="0" name=""/>
+                      <p:cNvPicPr/>
+                      <p:nvPr/>
+                    </p:nvPicPr>
+                    <p:blipFill>
+                      <a:blip r:embed="rId7"/>
+                      <a:stretch>
+                        <a:fillRect/>
+                      </a:stretch>
+                    </p:blipFill>
+                    <p:spPr>
+                      <a:xfrm>
+                        <a:off x="5351223" y="5486036"/>
+                        <a:ext cx="1864751" cy="1086614"/>
+                      </a:xfrm>
+                      <a:prstGeom prst="rect">
+                        <a:avLst/>
+                      </a:prstGeom>
+                    </p:spPr>
+                  </p:pic>
+                </p:oleObj>
+              </mc:Fallback>
+            </mc:AlternateContent>
+          </a:graphicData>
+        </a:graphic>
+      </p:graphicFrame>
+      <p:graphicFrame>
+        <p:nvGraphicFramePr>
+          <p:cNvPr id="28" name="Объект 27"/>
+          <p:cNvGraphicFramePr>
+            <a:graphicFrameLocks noChangeAspect="1"/>
+          </p:cNvGraphicFramePr>
+          <p:nvPr>
+            <p:extLst>
+              <p:ext uri="{D42A27DB-BD31-4B8C-83A1-F6EECF244321}">
+                <p14:modId xmlns:p14="http://schemas.microsoft.com/office/powerpoint/2010/main" val="3907616375"/>
+              </p:ext>
+            </p:extLst>
+          </p:nvPr>
+        </p:nvGraphicFramePr>
+        <p:xfrm>
+          <a:off x="8842400" y="5452789"/>
+          <a:ext cx="1961471" cy="1153107"/>
+        </p:xfrm>
+        <a:graphic>
+          <a:graphicData uri="http://schemas.openxmlformats.org/presentationml/2006/ole">
+            <mc:AlternateContent xmlns:mc="http://schemas.openxmlformats.org/markup-compatibility/2006">
+              <mc:Choice xmlns:v="urn:schemas-microsoft-com:vml" Requires="v">
+                <p:oleObj spid="_x0000_s1093" name="Equation" r:id="rId8" imgW="1295280" imgH="761760" progId="Equation.DSMT4">
+                  <p:embed/>
+                </p:oleObj>
+              </mc:Choice>
+              <mc:Fallback>
+                <p:oleObj name="Equation" r:id="rId8" imgW="1295280" imgH="761760" progId="Equation.DSMT4">
+                  <p:embed/>
+                  <p:pic>
+                    <p:nvPicPr>
+                      <p:cNvPr id="0" name=""/>
+                      <p:cNvPicPr/>
+                      <p:nvPr/>
+                    </p:nvPicPr>
+                    <p:blipFill>
+                      <a:blip r:embed="rId9"/>
+                      <a:stretch>
+                        <a:fillRect/>
+                      </a:stretch>
+                    </p:blipFill>
+                    <p:spPr>
+                      <a:xfrm>
+                        <a:off x="8842400" y="5452789"/>
+                        <a:ext cx="1961471" cy="1153107"/>
+                      </a:xfrm>
+                      <a:prstGeom prst="rect">
+                        <a:avLst/>
+                      </a:prstGeom>
+                    </p:spPr>
+                  </p:pic>
+                </p:oleObj>
+              </mc:Fallback>
+            </mc:AlternateContent>
+          </a:graphicData>
+        </a:graphic>
+      </p:graphicFrame>
+      <p:pic>
+        <p:nvPicPr>
+          <p:cNvPr id="3" name="Рисунок 2"/>
+          <p:cNvPicPr>
+            <a:picLocks noChangeAspect="1"/>
+          </p:cNvPicPr>
+          <p:nvPr/>
+        </p:nvPicPr>
+        <p:blipFill rotWithShape="1">
+          <a:blip r:embed="rId10" cstate="print">
+            <a:extLst>
+              <a:ext uri="{28A0092B-C50C-407E-A947-70E740481C1C}">
+                <a14:useLocalDpi xmlns:a14="http://schemas.microsoft.com/office/drawing/2010/main" val="0"/>
+              </a:ext>
+            </a:extLst>
+          </a:blip>
+          <a:srcRect l="14627" t="764" r="20199"/>
+          <a:stretch/>
+        </p:blipFill>
+        <p:spPr>
+          <a:xfrm>
+            <a:off x="275340" y="1000896"/>
+            <a:ext cx="4385716" cy="4451893"/>
+          </a:xfrm>
+          <a:prstGeom prst="rect">
+            <a:avLst/>
+          </a:prstGeom>
+        </p:spPr>
+      </p:pic>
+      <p:pic>
+        <p:nvPicPr>
+          <p:cNvPr id="4" name="Рисунок 3"/>
+          <p:cNvPicPr>
+            <a:picLocks noChangeAspect="1"/>
+          </p:cNvPicPr>
+          <p:nvPr/>
+        </p:nvPicPr>
+        <p:blipFill rotWithShape="1">
+          <a:blip r:embed="rId11" cstate="print">
+            <a:extLst>
+              <a:ext uri="{28A0092B-C50C-407E-A947-70E740481C1C}">
+                <a14:useLocalDpi xmlns:a14="http://schemas.microsoft.com/office/drawing/2010/main" val="0"/>
+              </a:ext>
+            </a:extLst>
+          </a:blip>
+          <a:srcRect l="32401" r="19702"/>
+          <a:stretch/>
+        </p:blipFill>
+        <p:spPr>
+          <a:xfrm>
+            <a:off x="4768090" y="1000895"/>
+            <a:ext cx="3188044" cy="4437452"/>
+          </a:xfrm>
+          <a:prstGeom prst="rect">
+            <a:avLst/>
+          </a:prstGeom>
+        </p:spPr>
+      </p:pic>
+      <p:pic>
+        <p:nvPicPr>
+          <p:cNvPr id="6" name="Объект 5"/>
+          <p:cNvPicPr>
+            <a:picLocks noGrp="1" noChangeAspect="1"/>
+          </p:cNvPicPr>
+          <p:nvPr>
+            <p:ph idx="1"/>
+          </p:nvPr>
+        </p:nvPicPr>
+        <p:blipFill rotWithShape="1">
+          <a:blip r:embed="rId12" cstate="print">
+            <a:extLst>
+              <a:ext uri="{28A0092B-C50C-407E-A947-70E740481C1C}">
+                <a14:useLocalDpi xmlns:a14="http://schemas.microsoft.com/office/drawing/2010/main" val="0"/>
+              </a:ext>
+            </a:extLst>
+          </a:blip>
+          <a:srcRect l="31232" t="-1351" r="18767" b="1351"/>
+          <a:stretch/>
+        </p:blipFill>
+        <p:spPr>
+          <a:xfrm>
+            <a:off x="8170203" y="927100"/>
+            <a:ext cx="3305867" cy="4407831"/>
+          </a:xfrm>
+        </p:spPr>
+      </p:pic>
     </p:spTree>
     <p:extLst>
       <p:ext uri="{BB962C8B-B14F-4D97-AF65-F5344CB8AC3E}">
-        <p14:creationId xmlns:p14="http://schemas.microsoft.com/office/powerpoint/2010/main" val="2839079264"/>
+        <p14:creationId xmlns:p14="http://schemas.microsoft.com/office/powerpoint/2010/main" val="1322444688"/>
       </p:ext>
     </p:extLst>
   </p:cSld>
@@ -7268,8 +7700,8 @@
         </p:nvSpPr>
         <p:spPr>
           <a:xfrm>
-            <a:off x="838200" y="200025"/>
-            <a:ext cx="10515600" cy="727075"/>
+            <a:off x="838200" y="103517"/>
+            <a:ext cx="10515600" cy="759035"/>
           </a:xfrm>
         </p:spPr>
         <p:txBody>
@@ -7278,307 +7710,300 @@
           <a:p>
             <a:r>
               <a:rPr lang="ru-RU" dirty="0" smtClean="0"/>
-              <a:t>Результаты на «сырых» данных</a:t>
+              <a:t>Проектирование признаков</a:t>
             </a:r>
             <a:endParaRPr lang="ru-RU" dirty="0"/>
+          </a:p>
+        </p:txBody>
+      </p:sp>
+      <p:sp>
+        <p:nvSpPr>
+          <p:cNvPr id="9" name="TextBox 8"/>
+          <p:cNvSpPr txBox="1"/>
+          <p:nvPr/>
+        </p:nvSpPr>
+        <p:spPr>
+          <a:xfrm>
+            <a:off x="838200" y="2893098"/>
+            <a:ext cx="10515600" cy="3416320"/>
+          </a:xfrm>
+          <a:prstGeom prst="rect">
+            <a:avLst/>
+          </a:prstGeom>
+          <a:noFill/>
+        </p:spPr>
+        <p:txBody>
+          <a:bodyPr wrap="square" rtlCol="0">
+            <a:spAutoFit/>
+          </a:bodyPr>
+          <a:lstStyle/>
+          <a:p>
+            <a:r>
+              <a:rPr lang="ru-RU" dirty="0" smtClean="0"/>
+              <a:t>Выборка сокращена до </a:t>
+            </a:r>
+            <a:r>
+              <a:rPr lang="ru-RU" b="1" dirty="0" smtClean="0"/>
+              <a:t>461382</a:t>
+            </a:r>
+            <a:r>
+              <a:rPr lang="ru-RU" dirty="0" smtClean="0"/>
+              <a:t> транзакций. Мошеннические сохранены в исходном объеме.</a:t>
+            </a:r>
+          </a:p>
+          <a:p>
+            <a:endParaRPr lang="ru-RU" dirty="0" smtClean="0"/>
+          </a:p>
+          <a:p>
+            <a:r>
+              <a:rPr lang="ru-RU" dirty="0" smtClean="0"/>
+              <a:t>Убранные признаки: </a:t>
+            </a:r>
+            <a:r>
+              <a:rPr lang="en-US" dirty="0" smtClean="0"/>
+              <a:t>step, ID </a:t>
+            </a:r>
+            <a:r>
+              <a:rPr lang="ru-RU" dirty="0" smtClean="0"/>
+              <a:t>клиентов, новый баланс отправителя, старый и новый баланс получателя</a:t>
+            </a:r>
+          </a:p>
+          <a:p>
+            <a:r>
+              <a:rPr lang="ru-RU" dirty="0" smtClean="0"/>
+              <a:t>Добавленные признаки:</a:t>
+            </a:r>
+          </a:p>
+          <a:p>
+            <a:pPr marL="285750" indent="-285750">
+              <a:buFont typeface="Arial" panose="020B0604020202020204" pitchFamily="34" charset="0"/>
+              <a:buChar char="•"/>
+            </a:pPr>
+            <a:r>
+              <a:rPr lang="en-US" b="1" dirty="0" smtClean="0"/>
+              <a:t>hour 		</a:t>
+            </a:r>
+            <a:r>
+              <a:rPr lang="ru-RU" dirty="0" smtClean="0"/>
+              <a:t>шаг был конвертирован в 24 часов формат</a:t>
+            </a:r>
+            <a:endParaRPr lang="en-US" b="1" dirty="0" smtClean="0"/>
+          </a:p>
+          <a:p>
+            <a:pPr marL="285750" indent="-285750">
+              <a:buFont typeface="Arial" panose="020B0604020202020204" pitchFamily="34" charset="0"/>
+              <a:buChar char="•"/>
+            </a:pPr>
+            <a:r>
+              <a:rPr lang="en-US" b="1" dirty="0" err="1" smtClean="0"/>
+              <a:t>newSender</a:t>
+            </a:r>
+            <a:r>
+              <a:rPr lang="ru-RU" b="1" dirty="0" smtClean="0"/>
+              <a:t>	</a:t>
+            </a:r>
+            <a:r>
+              <a:rPr lang="ru-RU" dirty="0" smtClean="0"/>
+              <a:t>первое ли появление отправителя</a:t>
+            </a:r>
+            <a:endParaRPr lang="en-US" b="1" dirty="0" smtClean="0"/>
+          </a:p>
+          <a:p>
+            <a:pPr marL="285750" indent="-285750">
+              <a:buFont typeface="Arial" panose="020B0604020202020204" pitchFamily="34" charset="0"/>
+              <a:buChar char="•"/>
+            </a:pPr>
+            <a:r>
+              <a:rPr lang="en-US" b="1" dirty="0" err="1" smtClean="0"/>
+              <a:t>newReciver</a:t>
+            </a:r>
+            <a:r>
+              <a:rPr lang="ru-RU" b="1" dirty="0" smtClean="0"/>
+              <a:t>	</a:t>
+            </a:r>
+            <a:r>
+              <a:rPr lang="ru-RU" dirty="0"/>
+              <a:t>первое ли появление </a:t>
+            </a:r>
+            <a:r>
+              <a:rPr lang="ru-RU" dirty="0" smtClean="0"/>
+              <a:t>получателя</a:t>
+            </a:r>
+            <a:endParaRPr lang="en-US" b="1" dirty="0" smtClean="0"/>
+          </a:p>
+          <a:p>
+            <a:pPr marL="285750" indent="-285750">
+              <a:buFont typeface="Arial" panose="020B0604020202020204" pitchFamily="34" charset="0"/>
+              <a:buChar char="•"/>
+            </a:pPr>
+            <a:r>
+              <a:rPr lang="en-US" b="1" dirty="0"/>
+              <a:t>m</a:t>
+            </a:r>
+            <a:r>
+              <a:rPr lang="en-US" b="1" dirty="0" smtClean="0"/>
+              <a:t>erchant	</a:t>
+            </a:r>
+            <a:r>
+              <a:rPr lang="ru-RU" dirty="0" smtClean="0"/>
+              <a:t>является ли получатель магазином</a:t>
+            </a:r>
+            <a:endParaRPr lang="en-US" b="1" dirty="0" smtClean="0"/>
+          </a:p>
+          <a:p>
+            <a:pPr marL="285750" indent="-285750">
+              <a:buFont typeface="Arial" panose="020B0604020202020204" pitchFamily="34" charset="0"/>
+              <a:buChar char="•"/>
+            </a:pPr>
+            <a:r>
+              <a:rPr lang="en-US" b="1" dirty="0" err="1" smtClean="0"/>
+              <a:t>fraudEarly</a:t>
+            </a:r>
+            <a:r>
+              <a:rPr lang="ru-RU" b="1" dirty="0" smtClean="0"/>
+              <a:t>	</a:t>
+            </a:r>
+            <a:r>
+              <a:rPr lang="ru-RU" dirty="0" smtClean="0"/>
+              <a:t>были ли раньше клиенты текущей транзакции замечены в мошеннических</a:t>
+            </a:r>
+            <a:endParaRPr lang="en-US" b="1" dirty="0" smtClean="0"/>
+          </a:p>
+          <a:p>
+            <a:pPr marL="285750" indent="-285750">
+              <a:buFont typeface="Arial" panose="020B0604020202020204" pitchFamily="34" charset="0"/>
+              <a:buChar char="•"/>
+            </a:pPr>
+            <a:r>
+              <a:rPr lang="en-US" b="1" dirty="0" smtClean="0"/>
+              <a:t>LTS</a:t>
+            </a:r>
+            <a:r>
+              <a:rPr lang="ru-RU" b="1" dirty="0" smtClean="0"/>
+              <a:t>		</a:t>
+            </a:r>
+            <a:r>
+              <a:rPr lang="ru-RU" dirty="0" smtClean="0"/>
+              <a:t>время с момента предыдущей транзакции в качестве отправителя</a:t>
+            </a:r>
+            <a:endParaRPr lang="en-US" b="1" dirty="0" smtClean="0"/>
+          </a:p>
+          <a:p>
+            <a:pPr marL="285750" indent="-285750">
+              <a:buFont typeface="Arial" panose="020B0604020202020204" pitchFamily="34" charset="0"/>
+              <a:buChar char="•"/>
+            </a:pPr>
+            <a:r>
+              <a:rPr lang="en-US" b="1" dirty="0" smtClean="0"/>
+              <a:t>LTR</a:t>
+            </a:r>
+            <a:r>
+              <a:rPr lang="ru-RU" b="1" dirty="0" smtClean="0"/>
+              <a:t>		</a:t>
+            </a:r>
+            <a:r>
+              <a:rPr lang="ru-RU" dirty="0" smtClean="0"/>
+              <a:t>время </a:t>
+            </a:r>
+            <a:r>
+              <a:rPr lang="ru-RU" dirty="0"/>
+              <a:t>с момента предыдущей транзакции в качестве </a:t>
+            </a:r>
+            <a:r>
+              <a:rPr lang="ru-RU" dirty="0" smtClean="0"/>
+              <a:t>получателя </a:t>
+            </a:r>
+          </a:p>
+          <a:p>
+            <a:pPr marL="285750" indent="-285750">
+              <a:buFont typeface="Arial" panose="020B0604020202020204" pitchFamily="34" charset="0"/>
+              <a:buChar char="•"/>
+            </a:pPr>
+            <a:r>
+              <a:rPr lang="en-US" b="1" dirty="0" err="1" smtClean="0"/>
+              <a:t>IZoB</a:t>
+            </a:r>
+            <a:r>
+              <a:rPr lang="ru-RU" b="1" dirty="0" smtClean="0"/>
+              <a:t>		</a:t>
+            </a:r>
+            <a:r>
+              <a:rPr lang="ru-RU" dirty="0" smtClean="0"/>
+              <a:t>остается ли 0 на балансе у отправителя</a:t>
+            </a:r>
+            <a:endParaRPr lang="en-US" dirty="0" smtClean="0"/>
+          </a:p>
+        </p:txBody>
+      </p:sp>
+      <p:sp>
+        <p:nvSpPr>
+          <p:cNvPr id="3" name="Номер слайда 2"/>
+          <p:cNvSpPr>
+            <a:spLocks noGrp="1"/>
+          </p:cNvSpPr>
+          <p:nvPr>
+            <p:ph type="sldNum" sz="quarter" idx="12"/>
+          </p:nvPr>
+        </p:nvSpPr>
+        <p:spPr>
+          <a:xfrm>
+            <a:off x="8610600" y="103517"/>
+            <a:ext cx="2743200" cy="365125"/>
+          </a:xfrm>
+        </p:spPr>
+        <p:txBody>
+          <a:bodyPr/>
+          <a:lstStyle/>
+          <a:p>
+            <a:fld id="{A8413CF5-DF56-493D-B7DE-590ED68A52D4}" type="slidenum">
+              <a:rPr lang="ru-RU" sz="1600" smtClean="0"/>
+              <a:t>8</a:t>
+            </a:fld>
+            <a:endParaRPr lang="ru-RU" sz="1600" dirty="0"/>
           </a:p>
         </p:txBody>
       </p:sp>
       <p:pic>
         <p:nvPicPr>
-          <p:cNvPr id="19" name="Объект 18"/>
-          <p:cNvPicPr>
-            <a:picLocks noGrp="1" noChangeAspect="1"/>
-          </p:cNvPicPr>
-          <p:nvPr>
-            <p:ph idx="1"/>
-          </p:nvPr>
-        </p:nvPicPr>
-        <p:blipFill rotWithShape="1">
-          <a:blip r:embed="rId3" cstate="print">
-            <a:extLst>
-              <a:ext uri="{28A0092B-C50C-407E-A947-70E740481C1C}">
-                <a14:useLocalDpi xmlns:a14="http://schemas.microsoft.com/office/drawing/2010/main" val="0"/>
-              </a:ext>
-            </a:extLst>
-          </a:blip>
-          <a:srcRect l="33643" r="19445"/>
-          <a:stretch/>
-        </p:blipFill>
-        <p:spPr>
-          <a:xfrm>
-            <a:off x="8264384" y="927100"/>
-            <a:ext cx="3184666" cy="4525690"/>
-          </a:xfrm>
-        </p:spPr>
-      </p:pic>
-      <p:pic>
-        <p:nvPicPr>
-          <p:cNvPr id="20" name="Рисунок 19"/>
+          <p:cNvPr id="4" name="Рисунок 3"/>
           <p:cNvPicPr>
             <a:picLocks noChangeAspect="1"/>
           </p:cNvPicPr>
           <p:nvPr/>
         </p:nvPicPr>
-        <p:blipFill rotWithShape="1">
-          <a:blip r:embed="rId4" cstate="print">
-            <a:extLst>
-              <a:ext uri="{28A0092B-C50C-407E-A947-70E740481C1C}">
-                <a14:useLocalDpi xmlns:a14="http://schemas.microsoft.com/office/drawing/2010/main" val="0"/>
-              </a:ext>
-            </a:extLst>
-          </a:blip>
-          <a:srcRect l="33559" r="18982" b="279"/>
-          <a:stretch/>
+        <p:blipFill>
+          <a:blip r:embed="rId2"/>
+          <a:stretch>
+            <a:fillRect/>
+          </a:stretch>
         </p:blipFill>
         <p:spPr>
           <a:xfrm>
-            <a:off x="4743451" y="927100"/>
-            <a:ext cx="3230802" cy="4525690"/>
+            <a:off x="1715218" y="909484"/>
+            <a:ext cx="8765875" cy="1720048"/>
           </a:xfrm>
           <a:prstGeom prst="rect">
             <a:avLst/>
           </a:prstGeom>
         </p:spPr>
       </p:pic>
-      <p:pic>
-        <p:nvPicPr>
-          <p:cNvPr id="21" name="Рисунок 20"/>
-          <p:cNvPicPr>
-            <a:picLocks noChangeAspect="1"/>
-          </p:cNvPicPr>
-          <p:nvPr/>
-        </p:nvPicPr>
-        <p:blipFill rotWithShape="1">
-          <a:blip r:embed="rId5" cstate="print">
-            <a:extLst>
-              <a:ext uri="{28A0092B-C50C-407E-A947-70E740481C1C}">
-                <a14:useLocalDpi xmlns:a14="http://schemas.microsoft.com/office/drawing/2010/main" val="0"/>
-              </a:ext>
-            </a:extLst>
-          </a:blip>
-          <a:srcRect l="16008" t="-80" r="18973"/>
-          <a:stretch/>
-        </p:blipFill>
-        <p:spPr>
-          <a:xfrm>
-            <a:off x="235464" y="927100"/>
-            <a:ext cx="4410356" cy="4525690"/>
-          </a:xfrm>
-          <a:prstGeom prst="rect">
-            <a:avLst/>
-          </a:prstGeom>
-        </p:spPr>
-      </p:pic>
-      <p:sp>
-        <p:nvSpPr>
-          <p:cNvPr id="22" name="Номер слайда 21"/>
-          <p:cNvSpPr>
-            <a:spLocks noGrp="1"/>
-          </p:cNvSpPr>
-          <p:nvPr>
-            <p:ph type="sldNum" sz="quarter" idx="12"/>
-          </p:nvPr>
-        </p:nvSpPr>
-        <p:spPr>
-          <a:xfrm>
-            <a:off x="8610600" y="200025"/>
-            <a:ext cx="2743200" cy="365125"/>
-          </a:xfrm>
-        </p:spPr>
-        <p:txBody>
-          <a:bodyPr/>
-          <a:lstStyle/>
-          <a:p>
-            <a:fld id="{A8413CF5-DF56-493D-B7DE-590ED68A52D4}" type="slidenum">
-              <a:rPr lang="ru-RU" sz="1600" smtClean="0"/>
-              <a:t>8</a:t>
-            </a:fld>
-            <a:endParaRPr lang="ru-RU" sz="1600" dirty="0"/>
-          </a:p>
-        </p:txBody>
-      </p:sp>
-      <p:graphicFrame>
-        <p:nvGraphicFramePr>
-          <p:cNvPr id="24" name="Объект 23"/>
-          <p:cNvGraphicFramePr>
-            <a:graphicFrameLocks noChangeAspect="1"/>
-          </p:cNvGraphicFramePr>
-          <p:nvPr>
-            <p:extLst>
-              <p:ext uri="{D42A27DB-BD31-4B8C-83A1-F6EECF244321}">
-                <p14:modId xmlns:p14="http://schemas.microsoft.com/office/powerpoint/2010/main" val="679367604"/>
-              </p:ext>
-            </p:extLst>
-          </p:nvPr>
-        </p:nvGraphicFramePr>
-        <p:xfrm>
-          <a:off x="1825904" y="5518791"/>
-          <a:ext cx="1865312" cy="1086614"/>
-        </p:xfrm>
-        <a:graphic>
-          <a:graphicData uri="http://schemas.openxmlformats.org/presentationml/2006/ole">
-            <mc:AlternateContent xmlns:mc="http://schemas.openxmlformats.org/markup-compatibility/2006">
-              <mc:Choice xmlns:v="urn:schemas-microsoft-com:vml" Requires="v">
-                <p:oleObj spid="_x0000_s1067" name="Equation" r:id="rId6" imgW="1307880" imgH="761760" progId="Equation.DSMT4">
-                  <p:embed/>
-                </p:oleObj>
-              </mc:Choice>
-              <mc:Fallback>
-                <p:oleObj name="Equation" r:id="rId6" imgW="1307880" imgH="761760" progId="Equation.DSMT4">
-                  <p:embed/>
-                  <p:pic>
-                    <p:nvPicPr>
-                      <p:cNvPr id="0" name=""/>
-                      <p:cNvPicPr/>
-                      <p:nvPr/>
-                    </p:nvPicPr>
-                    <p:blipFill>
-                      <a:blip r:embed="rId7"/>
-                      <a:stretch>
-                        <a:fillRect/>
-                      </a:stretch>
-                    </p:blipFill>
-                    <p:spPr>
-                      <a:xfrm>
-                        <a:off x="1825904" y="5518791"/>
-                        <a:ext cx="1865312" cy="1086614"/>
-                      </a:xfrm>
-                      <a:prstGeom prst="rect">
-                        <a:avLst/>
-                      </a:prstGeom>
-                    </p:spPr>
-                  </p:pic>
-                </p:oleObj>
-              </mc:Fallback>
-            </mc:AlternateContent>
-          </a:graphicData>
-        </a:graphic>
-      </p:graphicFrame>
-      <p:graphicFrame>
-        <p:nvGraphicFramePr>
-          <p:cNvPr id="25" name="Объект 24"/>
-          <p:cNvGraphicFramePr>
-            <a:graphicFrameLocks noChangeAspect="1"/>
-          </p:cNvGraphicFramePr>
-          <p:nvPr>
-            <p:extLst>
-              <p:ext uri="{D42A27DB-BD31-4B8C-83A1-F6EECF244321}">
-                <p14:modId xmlns:p14="http://schemas.microsoft.com/office/powerpoint/2010/main" val="253451766"/>
-              </p:ext>
-            </p:extLst>
-          </p:nvPr>
-        </p:nvGraphicFramePr>
-        <p:xfrm>
-          <a:off x="5170611" y="5518791"/>
-          <a:ext cx="1864751" cy="1086614"/>
-        </p:xfrm>
-        <a:graphic>
-          <a:graphicData uri="http://schemas.openxmlformats.org/presentationml/2006/ole">
-            <mc:AlternateContent xmlns:mc="http://schemas.openxmlformats.org/markup-compatibility/2006">
-              <mc:Choice xmlns:v="urn:schemas-microsoft-com:vml" Requires="v">
-                <p:oleObj spid="_x0000_s1068" name="Equation" r:id="rId8" imgW="1307880" imgH="761760" progId="Equation.DSMT4">
-                  <p:embed/>
-                </p:oleObj>
-              </mc:Choice>
-              <mc:Fallback>
-                <p:oleObj name="Equation" r:id="rId8" imgW="1307880" imgH="761760" progId="Equation.DSMT4">
-                  <p:embed/>
-                  <p:pic>
-                    <p:nvPicPr>
-                      <p:cNvPr id="0" name=""/>
-                      <p:cNvPicPr/>
-                      <p:nvPr/>
-                    </p:nvPicPr>
-                    <p:blipFill>
-                      <a:blip r:embed="rId9"/>
-                      <a:stretch>
-                        <a:fillRect/>
-                      </a:stretch>
-                    </p:blipFill>
-                    <p:spPr>
-                      <a:xfrm>
-                        <a:off x="5170611" y="5518791"/>
-                        <a:ext cx="1864751" cy="1086614"/>
-                      </a:xfrm>
-                      <a:prstGeom prst="rect">
-                        <a:avLst/>
-                      </a:prstGeom>
-                    </p:spPr>
-                  </p:pic>
-                </p:oleObj>
-              </mc:Fallback>
-            </mc:AlternateContent>
-          </a:graphicData>
-        </a:graphic>
-      </p:graphicFrame>
-      <p:graphicFrame>
-        <p:nvGraphicFramePr>
-          <p:cNvPr id="28" name="Объект 27"/>
-          <p:cNvGraphicFramePr>
-            <a:graphicFrameLocks noChangeAspect="1"/>
-          </p:cNvGraphicFramePr>
-          <p:nvPr>
-            <p:extLst>
-              <p:ext uri="{D42A27DB-BD31-4B8C-83A1-F6EECF244321}">
-                <p14:modId xmlns:p14="http://schemas.microsoft.com/office/powerpoint/2010/main" val="73060679"/>
-              </p:ext>
-            </p:extLst>
-          </p:nvPr>
-        </p:nvGraphicFramePr>
-        <p:xfrm>
-          <a:off x="8875981" y="5452790"/>
-          <a:ext cx="1961471" cy="1153107"/>
-        </p:xfrm>
-        <a:graphic>
-          <a:graphicData uri="http://schemas.openxmlformats.org/presentationml/2006/ole">
-            <mc:AlternateContent xmlns:mc="http://schemas.openxmlformats.org/markup-compatibility/2006">
-              <mc:Choice xmlns:v="urn:schemas-microsoft-com:vml" Requires="v">
-                <p:oleObj spid="_x0000_s1069" name="Equation" r:id="rId10" imgW="1295280" imgH="761760" progId="Equation.DSMT4">
-                  <p:embed/>
-                </p:oleObj>
-              </mc:Choice>
-              <mc:Fallback>
-                <p:oleObj name="Equation" r:id="rId10" imgW="1295280" imgH="761760" progId="Equation.DSMT4">
-                  <p:embed/>
-                  <p:pic>
-                    <p:nvPicPr>
-                      <p:cNvPr id="0" name=""/>
-                      <p:cNvPicPr/>
-                      <p:nvPr/>
-                    </p:nvPicPr>
-                    <p:blipFill>
-                      <a:blip r:embed="rId11"/>
-                      <a:stretch>
-                        <a:fillRect/>
-                      </a:stretch>
-                    </p:blipFill>
-                    <p:spPr>
-                      <a:xfrm>
-                        <a:off x="8875981" y="5452790"/>
-                        <a:ext cx="1961471" cy="1153107"/>
-                      </a:xfrm>
-                      <a:prstGeom prst="rect">
-                        <a:avLst/>
-                      </a:prstGeom>
-                    </p:spPr>
-                  </p:pic>
-                </p:oleObj>
-              </mc:Fallback>
-            </mc:AlternateContent>
-          </a:graphicData>
-        </a:graphic>
-      </p:graphicFrame>
     </p:spTree>
     <p:extLst>
       <p:ext uri="{BB962C8B-B14F-4D97-AF65-F5344CB8AC3E}">
-        <p14:creationId xmlns:p14="http://schemas.microsoft.com/office/powerpoint/2010/main" val="1322444688"/>
+        <p14:creationId xmlns:p14="http://schemas.microsoft.com/office/powerpoint/2010/main" val="2319650022"/>
       </p:ext>
     </p:extLst>
   </p:cSld>
   <p:clrMapOvr>
     <a:masterClrMapping/>
   </p:clrMapOvr>
+  <p:timing>
+    <p:tnLst>
+      <p:par>
+        <p:cTn id="1" dur="indefinite" restart="never" nodeType="tmRoot"/>
+      </p:par>
+    </p:tnLst>
+  </p:timing>
 </p:sld>
 </file>
 
